--- a/art/LOGO2.pptx
+++ b/art/LOGO2.pptx
@@ -261,7 +261,7 @@
           <a:p>
             <a:fld id="{24191A7E-2728-45C9-BF1A-3CA8E391AEBD}" type="datetimeFigureOut">
               <a:rPr lang="he-IL" smtClean="0"/>
-              <a:t>ד'/ניסן/תשפ"ב</a:t>
+              <a:t>ט"ו/ניסן/תשפ"ב</a:t>
             </a:fld>
             <a:endParaRPr lang="he-IL"/>
           </a:p>
@@ -461,7 +461,7 @@
           <a:p>
             <a:fld id="{24191A7E-2728-45C9-BF1A-3CA8E391AEBD}" type="datetimeFigureOut">
               <a:rPr lang="he-IL" smtClean="0"/>
-              <a:t>ד'/ניסן/תשפ"ב</a:t>
+              <a:t>ט"ו/ניסן/תשפ"ב</a:t>
             </a:fld>
             <a:endParaRPr lang="he-IL"/>
           </a:p>
@@ -671,7 +671,7 @@
           <a:p>
             <a:fld id="{24191A7E-2728-45C9-BF1A-3CA8E391AEBD}" type="datetimeFigureOut">
               <a:rPr lang="he-IL" smtClean="0"/>
-              <a:t>ד'/ניסן/תשפ"ב</a:t>
+              <a:t>ט"ו/ניסן/תשפ"ב</a:t>
             </a:fld>
             <a:endParaRPr lang="he-IL"/>
           </a:p>
@@ -871,7 +871,7 @@
           <a:p>
             <a:fld id="{24191A7E-2728-45C9-BF1A-3CA8E391AEBD}" type="datetimeFigureOut">
               <a:rPr lang="he-IL" smtClean="0"/>
-              <a:t>ד'/ניסן/תשפ"ב</a:t>
+              <a:t>ט"ו/ניסן/תשפ"ב</a:t>
             </a:fld>
             <a:endParaRPr lang="he-IL"/>
           </a:p>
@@ -1147,7 +1147,7 @@
           <a:p>
             <a:fld id="{24191A7E-2728-45C9-BF1A-3CA8E391AEBD}" type="datetimeFigureOut">
               <a:rPr lang="he-IL" smtClean="0"/>
-              <a:t>ד'/ניסן/תשפ"ב</a:t>
+              <a:t>ט"ו/ניסן/תשפ"ב</a:t>
             </a:fld>
             <a:endParaRPr lang="he-IL"/>
           </a:p>
@@ -1415,7 +1415,7 @@
           <a:p>
             <a:fld id="{24191A7E-2728-45C9-BF1A-3CA8E391AEBD}" type="datetimeFigureOut">
               <a:rPr lang="he-IL" smtClean="0"/>
-              <a:t>ד'/ניסן/תשפ"ב</a:t>
+              <a:t>ט"ו/ניסן/תשפ"ב</a:t>
             </a:fld>
             <a:endParaRPr lang="he-IL"/>
           </a:p>
@@ -1830,7 +1830,7 @@
           <a:p>
             <a:fld id="{24191A7E-2728-45C9-BF1A-3CA8E391AEBD}" type="datetimeFigureOut">
               <a:rPr lang="he-IL" smtClean="0"/>
-              <a:t>ד'/ניסן/תשפ"ב</a:t>
+              <a:t>ט"ו/ניסן/תשפ"ב</a:t>
             </a:fld>
             <a:endParaRPr lang="he-IL"/>
           </a:p>
@@ -1972,7 +1972,7 @@
           <a:p>
             <a:fld id="{24191A7E-2728-45C9-BF1A-3CA8E391AEBD}" type="datetimeFigureOut">
               <a:rPr lang="he-IL" smtClean="0"/>
-              <a:t>ד'/ניסן/תשפ"ב</a:t>
+              <a:t>ט"ו/ניסן/תשפ"ב</a:t>
             </a:fld>
             <a:endParaRPr lang="he-IL"/>
           </a:p>
@@ -2085,7 +2085,7 @@
           <a:p>
             <a:fld id="{24191A7E-2728-45C9-BF1A-3CA8E391AEBD}" type="datetimeFigureOut">
               <a:rPr lang="he-IL" smtClean="0"/>
-              <a:t>ד'/ניסן/תשפ"ב</a:t>
+              <a:t>ט"ו/ניסן/תשפ"ב</a:t>
             </a:fld>
             <a:endParaRPr lang="he-IL"/>
           </a:p>
@@ -2398,7 +2398,7 @@
           <a:p>
             <a:fld id="{24191A7E-2728-45C9-BF1A-3CA8E391AEBD}" type="datetimeFigureOut">
               <a:rPr lang="he-IL" smtClean="0"/>
-              <a:t>ד'/ניסן/תשפ"ב</a:t>
+              <a:t>ט"ו/ניסן/תשפ"ב</a:t>
             </a:fld>
             <a:endParaRPr lang="he-IL"/>
           </a:p>
@@ -2687,7 +2687,7 @@
           <a:p>
             <a:fld id="{24191A7E-2728-45C9-BF1A-3CA8E391AEBD}" type="datetimeFigureOut">
               <a:rPr lang="he-IL" smtClean="0"/>
-              <a:t>ד'/ניסן/תשפ"ב</a:t>
+              <a:t>ט"ו/ניסן/תשפ"ב</a:t>
             </a:fld>
             <a:endParaRPr lang="he-IL"/>
           </a:p>
@@ -2930,7 +2930,7 @@
           <a:p>
             <a:fld id="{24191A7E-2728-45C9-BF1A-3CA8E391AEBD}" type="datetimeFigureOut">
               <a:rPr lang="he-IL" smtClean="0"/>
-              <a:t>ד'/ניסן/תשפ"ב</a:t>
+              <a:t>ט"ו/ניסן/תשפ"ב</a:t>
             </a:fld>
             <a:endParaRPr lang="he-IL"/>
           </a:p>
@@ -3361,14 +3361,14 @@
         </p:nvSpPr>
         <p:spPr>
           <a:xfrm>
-            <a:off x="2652665" y="0"/>
+            <a:off x="2651154" y="0"/>
             <a:ext cx="6889687" cy="6858000"/>
           </a:xfrm>
           <a:prstGeom prst="rect">
             <a:avLst/>
           </a:prstGeom>
           <a:solidFill>
-            <a:schemeClr val="tx1"/>
+            <a:srgbClr val="00B050"/>
           </a:solidFill>
         </p:spPr>
         <p:style>
@@ -3398,10 +3398,10 @@
       </p:sp>
       <p:sp>
         <p:nvSpPr>
-          <p:cNvPr id="6" name="Oval 5">
-            <a:extLst>
-              <a:ext uri="{FF2B5EF4-FFF2-40B4-BE49-F238E27FC236}">
-                <a16:creationId xmlns:a16="http://schemas.microsoft.com/office/drawing/2014/main" id="{4C4AF7EF-F613-4D34-87B6-C692AF82A240}"/>
+          <p:cNvPr id="5" name="Rectangle 4">
+            <a:extLst>
+              <a:ext uri="{FF2B5EF4-FFF2-40B4-BE49-F238E27FC236}">
+                <a16:creationId xmlns:a16="http://schemas.microsoft.com/office/drawing/2014/main" id="{54599779-0591-4CDB-8A69-78F4C59617AA}"/>
               </a:ext>
             </a:extLst>
           </p:cNvPr>
@@ -3410,133 +3410,7 @@
         </p:nvSpPr>
         <p:spPr>
           <a:xfrm>
-            <a:off x="2948411" y="273112"/>
-            <a:ext cx="6311775" cy="6311775"/>
-          </a:xfrm>
-          <a:prstGeom prst="ellipse">
-            <a:avLst/>
-          </a:prstGeom>
-          <a:solidFill>
-            <a:srgbClr val="0070C0"/>
-          </a:solidFill>
-          <a:ln>
-            <a:noFill/>
-          </a:ln>
-        </p:spPr>
-        <p:style>
-          <a:lnRef idx="2">
-            <a:schemeClr val="accent1">
-              <a:shade val="50000"/>
-            </a:schemeClr>
-          </a:lnRef>
-          <a:fillRef idx="1">
-            <a:schemeClr val="accent1"/>
-          </a:fillRef>
-          <a:effectRef idx="0">
-            <a:schemeClr val="accent1"/>
-          </a:effectRef>
-          <a:fontRef idx="minor">
-            <a:schemeClr val="lt1"/>
-          </a:fontRef>
-        </p:style>
-        <p:txBody>
-          <a:bodyPr rtlCol="1" anchor="ctr"/>
-          <a:lstStyle/>
-          <a:p>
-            <a:pPr algn="ctr"/>
-            <a:endParaRPr lang="he-IL"/>
-          </a:p>
-        </p:txBody>
-      </p:sp>
-      <p:sp>
-        <p:nvSpPr>
-          <p:cNvPr id="4" name="Rectangle 3">
-            <a:extLst>
-              <a:ext uri="{FF2B5EF4-FFF2-40B4-BE49-F238E27FC236}">
-                <a16:creationId xmlns:a16="http://schemas.microsoft.com/office/drawing/2014/main" id="{FC5D8C1B-DC82-482F-95A9-410A74D7EE4D}"/>
-              </a:ext>
-            </a:extLst>
-          </p:cNvPr>
-          <p:cNvSpPr/>
-          <p:nvPr/>
-        </p:nvSpPr>
-        <p:spPr>
-          <a:xfrm>
-            <a:off x="3202664" y="860079"/>
-            <a:ext cx="3388259" cy="4802870"/>
-          </a:xfrm>
-          <a:prstGeom prst="rect">
-            <a:avLst/>
-          </a:prstGeom>
-          <a:noFill/>
-          <a:ln>
-            <a:noFill/>
-          </a:ln>
-        </p:spPr>
-        <p:style>
-          <a:lnRef idx="2">
-            <a:schemeClr val="accent1">
-              <a:shade val="50000"/>
-            </a:schemeClr>
-          </a:lnRef>
-          <a:fillRef idx="1">
-            <a:schemeClr val="accent1"/>
-          </a:fillRef>
-          <a:effectRef idx="0">
-            <a:schemeClr val="accent1"/>
-          </a:effectRef>
-          <a:fontRef idx="minor">
-            <a:schemeClr val="lt1"/>
-          </a:fontRef>
-        </p:style>
-        <p:txBody>
-          <a:bodyPr rtlCol="1" anchor="ctr"/>
-          <a:lstStyle/>
-          <a:p>
-            <a:pPr algn="ctr"/>
-            <a:r>
-              <a:rPr lang="en-US" sz="49600" dirty="0">
-                <a:ln>
-                  <a:solidFill>
-                    <a:sysClr val="windowText" lastClr="000000"/>
-                  </a:solidFill>
-                </a:ln>
-                <a:solidFill>
-                  <a:schemeClr val="bg1"/>
-                </a:solidFill>
-                <a:latin typeface="Algerian" panose="04020705040A02060702" pitchFamily="82" charset="0"/>
-              </a:rPr>
-              <a:t>1</a:t>
-            </a:r>
-            <a:endParaRPr lang="he-IL" sz="28700" dirty="0">
-              <a:ln>
-                <a:solidFill>
-                  <a:sysClr val="windowText" lastClr="000000"/>
-                </a:solidFill>
-              </a:ln>
-              <a:solidFill>
-                <a:schemeClr val="bg1"/>
-              </a:solidFill>
-              <a:latin typeface="Algerian" panose="04020705040A02060702" pitchFamily="82" charset="0"/>
-            </a:endParaRPr>
-          </a:p>
-        </p:txBody>
-      </p:sp>
-      <p:sp>
-        <p:nvSpPr>
-          <p:cNvPr id="5" name="Rectangle 4">
-            <a:extLst>
-              <a:ext uri="{FF2B5EF4-FFF2-40B4-BE49-F238E27FC236}">
-                <a16:creationId xmlns:a16="http://schemas.microsoft.com/office/drawing/2014/main" id="{54599779-0591-4CDB-8A69-78F4C59617AA}"/>
-              </a:ext>
-            </a:extLst>
-          </p:cNvPr>
-          <p:cNvSpPr/>
-          <p:nvPr/>
-        </p:nvSpPr>
-        <p:spPr>
-          <a:xfrm>
-            <a:off x="2659455" y="-7545"/>
+            <a:off x="2659455" y="-7546"/>
             <a:ext cx="6873090" cy="6873090"/>
           </a:xfrm>
           <a:prstGeom prst="rect">
@@ -3576,10 +3450,10 @@
       </p:sp>
       <p:sp>
         <p:nvSpPr>
-          <p:cNvPr id="7" name="Rectangle 6">
-            <a:extLst>
-              <a:ext uri="{FF2B5EF4-FFF2-40B4-BE49-F238E27FC236}">
-                <a16:creationId xmlns:a16="http://schemas.microsoft.com/office/drawing/2014/main" id="{F850B3C6-363B-420E-910A-83A3B24E0955}"/>
+          <p:cNvPr id="9" name="Oval 8">
+            <a:extLst>
+              <a:ext uri="{FF2B5EF4-FFF2-40B4-BE49-F238E27FC236}">
+                <a16:creationId xmlns:a16="http://schemas.microsoft.com/office/drawing/2014/main" id="{BBF6D357-C5AE-437B-9F42-B08FF5B7E587}"/>
               </a:ext>
             </a:extLst>
           </p:cNvPr>
@@ -3588,13 +3462,15 @@
         </p:nvSpPr>
         <p:spPr>
           <a:xfrm>
-            <a:off x="5316646" y="1749574"/>
-            <a:ext cx="2267138" cy="3081202"/>
+            <a:off x="2659455" y="0"/>
+            <a:ext cx="6889687" cy="6889687"/>
           </a:xfrm>
-          <a:prstGeom prst="rect">
+          <a:prstGeom prst="ellipse">
             <a:avLst/>
           </a:prstGeom>
-          <a:noFill/>
+          <a:solidFill>
+            <a:schemeClr val="tx1"/>
+          </a:solidFill>
           <a:ln>
             <a:noFill/>
           </a:ln>
@@ -3620,40 +3496,16 @@
           <a:lstStyle/>
           <a:p>
             <a:pPr algn="ctr"/>
-            <a:r>
-              <a:rPr lang="en-US" sz="28700" dirty="0">
-                <a:ln>
-                  <a:solidFill>
-                    <a:sysClr val="windowText" lastClr="000000"/>
-                  </a:solidFill>
-                </a:ln>
-                <a:solidFill>
-                  <a:schemeClr val="bg1"/>
-                </a:solidFill>
-                <a:latin typeface="Algerian" panose="04020705040A02060702" pitchFamily="82" charset="0"/>
-              </a:rPr>
-              <a:t>2</a:t>
-            </a:r>
-            <a:endParaRPr lang="he-IL" sz="16600" dirty="0">
-              <a:ln>
-                <a:solidFill>
-                  <a:sysClr val="windowText" lastClr="000000"/>
-                </a:solidFill>
-              </a:ln>
-              <a:solidFill>
-                <a:schemeClr val="bg1"/>
-              </a:solidFill>
-              <a:latin typeface="Algerian" panose="04020705040A02060702" pitchFamily="82" charset="0"/>
-            </a:endParaRPr>
-          </a:p>
-        </p:txBody>
-      </p:sp>
-      <p:sp>
-        <p:nvSpPr>
-          <p:cNvPr id="8" name="Rectangle 7">
-            <a:extLst>
-              <a:ext uri="{FF2B5EF4-FFF2-40B4-BE49-F238E27FC236}">
-                <a16:creationId xmlns:a16="http://schemas.microsoft.com/office/drawing/2014/main" id="{0E7A6062-76EC-41FA-93B7-94E2F246529A}"/>
+            <a:endParaRPr lang="he-IL"/>
+          </a:p>
+        </p:txBody>
+      </p:sp>
+      <p:sp>
+        <p:nvSpPr>
+          <p:cNvPr id="6" name="Oval 5">
+            <a:extLst>
+              <a:ext uri="{FF2B5EF4-FFF2-40B4-BE49-F238E27FC236}">
+                <a16:creationId xmlns:a16="http://schemas.microsoft.com/office/drawing/2014/main" id="{4C4AF7EF-F613-4D34-87B6-C692AF82A240}"/>
               </a:ext>
             </a:extLst>
           </p:cNvPr>
@@ -3661,14 +3513,16 @@
           <p:nvPr/>
         </p:nvSpPr>
         <p:spPr>
-          <a:xfrm rot="777319">
-            <a:off x="7623778" y="2356785"/>
-            <a:ext cx="1142707" cy="1703460"/>
+          <a:xfrm>
+            <a:off x="3108356" y="441356"/>
+            <a:ext cx="5975287" cy="5975287"/>
           </a:xfrm>
-          <a:prstGeom prst="rect">
+          <a:prstGeom prst="ellipse">
             <a:avLst/>
           </a:prstGeom>
-          <a:noFill/>
+          <a:solidFill>
+            <a:srgbClr val="0070C0"/>
+          </a:solidFill>
           <a:ln>
             <a:noFill/>
           </a:ln>
@@ -3694,8 +3548,92 @@
           <a:lstStyle/>
           <a:p>
             <a:pPr algn="ctr"/>
-            <a:r>
-              <a:rPr lang="en-US" sz="19900" dirty="0">
+            <a:endParaRPr lang="he-IL"/>
+          </a:p>
+        </p:txBody>
+      </p:sp>
+      <p:grpSp>
+        <p:nvGrpSpPr>
+          <p:cNvPr id="3" name="Group 2">
+            <a:extLst>
+              <a:ext uri="{FF2B5EF4-FFF2-40B4-BE49-F238E27FC236}">
+                <a16:creationId xmlns:a16="http://schemas.microsoft.com/office/drawing/2014/main" id="{07E06256-5875-42F0-99DC-EF4AE16ECE67}"/>
+              </a:ext>
+            </a:extLst>
+          </p:cNvPr>
+          <p:cNvGrpSpPr/>
+          <p:nvPr/>
+        </p:nvGrpSpPr>
+        <p:grpSpPr>
+          <a:xfrm>
+            <a:off x="3317635" y="517297"/>
+            <a:ext cx="5103485" cy="4802870"/>
+            <a:chOff x="3520835" y="872897"/>
+            <a:chExt cx="5103485" cy="4802870"/>
+          </a:xfrm>
+        </p:grpSpPr>
+        <p:sp>
+          <p:nvSpPr>
+            <p:cNvPr id="4" name="Rectangle 3">
+              <a:extLst>
+                <a:ext uri="{FF2B5EF4-FFF2-40B4-BE49-F238E27FC236}">
+                  <a16:creationId xmlns:a16="http://schemas.microsoft.com/office/drawing/2014/main" id="{FC5D8C1B-DC82-482F-95A9-410A74D7EE4D}"/>
+                </a:ext>
+              </a:extLst>
+            </p:cNvPr>
+            <p:cNvSpPr/>
+            <p:nvPr/>
+          </p:nvSpPr>
+          <p:spPr>
+            <a:xfrm>
+              <a:off x="3520835" y="872897"/>
+              <a:ext cx="3388259" cy="4802870"/>
+            </a:xfrm>
+            <a:prstGeom prst="rect">
+              <a:avLst/>
+            </a:prstGeom>
+            <a:noFill/>
+            <a:ln>
+              <a:noFill/>
+            </a:ln>
+          </p:spPr>
+          <p:style>
+            <a:lnRef idx="2">
+              <a:schemeClr val="accent1">
+                <a:shade val="50000"/>
+              </a:schemeClr>
+            </a:lnRef>
+            <a:fillRef idx="1">
+              <a:schemeClr val="accent1"/>
+            </a:fillRef>
+            <a:effectRef idx="0">
+              <a:schemeClr val="accent1"/>
+            </a:effectRef>
+            <a:fontRef idx="minor">
+              <a:schemeClr val="lt1"/>
+            </a:fontRef>
+          </p:style>
+          <p:txBody>
+            <a:bodyPr rtlCol="1" anchor="ctr"/>
+            <a:lstStyle/>
+            <a:p>
+              <a:pPr algn="ctr"/>
+              <a:r>
+                <a:rPr lang="en-US" sz="71400" dirty="0">
+                  <a:ln>
+                    <a:solidFill>
+                      <a:sysClr val="windowText" lastClr="000000"/>
+                    </a:solidFill>
+                  </a:ln>
+                  <a:solidFill>
+                    <a:schemeClr val="bg1"/>
+                  </a:solidFill>
+                  <a:latin typeface="Aharoni" panose="02010803020104030203" pitchFamily="2" charset="-79"/>
+                  <a:cs typeface="Aharoni" panose="02010803020104030203" pitchFamily="2" charset="-79"/>
+                </a:rPr>
+                <a:t>1</a:t>
+              </a:r>
+              <a:endParaRPr lang="he-IL" sz="41300" dirty="0">
                 <a:ln>
                   <a:solidFill>
                     <a:sysClr val="windowText" lastClr="000000"/>
@@ -3704,24 +3642,165 @@
                 <a:solidFill>
                   <a:schemeClr val="bg1"/>
                 </a:solidFill>
-                <a:latin typeface="Algerian" panose="04020705040A02060702" pitchFamily="82" charset="0"/>
-              </a:rPr>
-              <a:t>3</a:t>
-            </a:r>
-            <a:endParaRPr lang="he-IL" sz="11500" dirty="0">
-              <a:ln>
+                <a:latin typeface="Aharoni" panose="02010803020104030203" pitchFamily="2" charset="-79"/>
+                <a:cs typeface="Aharoni" panose="02010803020104030203" pitchFamily="2" charset="-79"/>
+              </a:endParaRPr>
+            </a:p>
+          </p:txBody>
+        </p:sp>
+        <p:sp>
+          <p:nvSpPr>
+            <p:cNvPr id="7" name="Rectangle 6">
+              <a:extLst>
+                <a:ext uri="{FF2B5EF4-FFF2-40B4-BE49-F238E27FC236}">
+                  <a16:creationId xmlns:a16="http://schemas.microsoft.com/office/drawing/2014/main" id="{F850B3C6-363B-420E-910A-83A3B24E0955}"/>
+                </a:ext>
+              </a:extLst>
+            </p:cNvPr>
+            <p:cNvSpPr/>
+            <p:nvPr/>
+          </p:nvSpPr>
+          <p:spPr>
+            <a:xfrm>
+              <a:off x="5748460" y="2002325"/>
+              <a:ext cx="2206101" cy="3081202"/>
+            </a:xfrm>
+            <a:prstGeom prst="rect">
+              <a:avLst/>
+            </a:prstGeom>
+            <a:noFill/>
+            <a:ln>
+              <a:noFill/>
+            </a:ln>
+          </p:spPr>
+          <p:style>
+            <a:lnRef idx="2">
+              <a:schemeClr val="accent1">
+                <a:shade val="50000"/>
+              </a:schemeClr>
+            </a:lnRef>
+            <a:fillRef idx="1">
+              <a:schemeClr val="accent1"/>
+            </a:fillRef>
+            <a:effectRef idx="0">
+              <a:schemeClr val="accent1"/>
+            </a:effectRef>
+            <a:fontRef idx="minor">
+              <a:schemeClr val="lt1"/>
+            </a:fontRef>
+          </p:style>
+          <p:txBody>
+            <a:bodyPr rtlCol="1" anchor="ctr"/>
+            <a:lstStyle/>
+            <a:p>
+              <a:pPr algn="ctr"/>
+              <a:r>
+                <a:rPr lang="en-US" sz="41300" dirty="0">
+                  <a:ln>
+                    <a:solidFill>
+                      <a:sysClr val="windowText" lastClr="000000"/>
+                    </a:solidFill>
+                  </a:ln>
+                  <a:solidFill>
+                    <a:schemeClr val="bg1"/>
+                  </a:solidFill>
+                  <a:latin typeface="Aharoni" panose="02010803020104030203" pitchFamily="2" charset="-79"/>
+                  <a:cs typeface="Aharoni" panose="02010803020104030203" pitchFamily="2" charset="-79"/>
+                </a:rPr>
+                <a:t>2</a:t>
+              </a:r>
+              <a:endParaRPr lang="he-IL" sz="41300" dirty="0">
+                <a:ln>
+                  <a:solidFill>
+                    <a:sysClr val="windowText" lastClr="000000"/>
+                  </a:solidFill>
+                </a:ln>
                 <a:solidFill>
-                  <a:sysClr val="windowText" lastClr="000000"/>
+                  <a:schemeClr val="bg1"/>
                 </a:solidFill>
-              </a:ln>
-              <a:solidFill>
-                <a:schemeClr val="bg1"/>
-              </a:solidFill>
-              <a:latin typeface="Algerian" panose="04020705040A02060702" pitchFamily="82" charset="0"/>
-            </a:endParaRPr>
-          </a:p>
-        </p:txBody>
-      </p:sp>
+                <a:latin typeface="Aharoni" panose="02010803020104030203" pitchFamily="2" charset="-79"/>
+                <a:cs typeface="Aharoni" panose="02010803020104030203" pitchFamily="2" charset="-79"/>
+              </a:endParaRPr>
+            </a:p>
+          </p:txBody>
+        </p:sp>
+        <p:sp>
+          <p:nvSpPr>
+            <p:cNvPr id="8" name="Rectangle 7">
+              <a:extLst>
+                <a:ext uri="{FF2B5EF4-FFF2-40B4-BE49-F238E27FC236}">
+                  <a16:creationId xmlns:a16="http://schemas.microsoft.com/office/drawing/2014/main" id="{0E7A6062-76EC-41FA-93B7-94E2F246529A}"/>
+                </a:ext>
+              </a:extLst>
+            </p:cNvPr>
+            <p:cNvSpPr/>
+            <p:nvPr/>
+          </p:nvSpPr>
+          <p:spPr>
+            <a:xfrm rot="486461">
+              <a:off x="7481613" y="2577269"/>
+              <a:ext cx="1142707" cy="1703460"/>
+            </a:xfrm>
+            <a:prstGeom prst="rect">
+              <a:avLst/>
+            </a:prstGeom>
+            <a:noFill/>
+            <a:ln>
+              <a:noFill/>
+            </a:ln>
+          </p:spPr>
+          <p:style>
+            <a:lnRef idx="2">
+              <a:schemeClr val="accent1">
+                <a:shade val="50000"/>
+              </a:schemeClr>
+            </a:lnRef>
+            <a:fillRef idx="1">
+              <a:schemeClr val="accent1"/>
+            </a:fillRef>
+            <a:effectRef idx="0">
+              <a:schemeClr val="accent1"/>
+            </a:effectRef>
+            <a:fontRef idx="minor">
+              <a:schemeClr val="lt1"/>
+            </a:fontRef>
+          </p:style>
+          <p:txBody>
+            <a:bodyPr rtlCol="1" anchor="ctr"/>
+            <a:lstStyle/>
+            <a:p>
+              <a:pPr algn="ctr"/>
+              <a:r>
+                <a:rPr lang="en-US" sz="28700" dirty="0">
+                  <a:ln>
+                    <a:solidFill>
+                      <a:sysClr val="windowText" lastClr="000000"/>
+                    </a:solidFill>
+                  </a:ln>
+                  <a:solidFill>
+                    <a:schemeClr val="bg1"/>
+                  </a:solidFill>
+                  <a:latin typeface="Aharoni" panose="02010803020104030203" pitchFamily="2" charset="-79"/>
+                  <a:cs typeface="Aharoni" panose="02010803020104030203" pitchFamily="2" charset="-79"/>
+                </a:rPr>
+                <a:t>3</a:t>
+              </a:r>
+              <a:endParaRPr lang="he-IL" sz="28700" dirty="0">
+                <a:ln>
+                  <a:solidFill>
+                    <a:sysClr val="windowText" lastClr="000000"/>
+                  </a:solidFill>
+                </a:ln>
+                <a:solidFill>
+                  <a:schemeClr val="bg1"/>
+                </a:solidFill>
+                <a:latin typeface="Aharoni" panose="02010803020104030203" pitchFamily="2" charset="-79"/>
+                <a:cs typeface="Aharoni" panose="02010803020104030203" pitchFamily="2" charset="-79"/>
+              </a:endParaRPr>
+            </a:p>
+          </p:txBody>
+        </p:sp>
+      </p:grpSp>
     </p:spTree>
     <p:extLst>
       <p:ext uri="{BB962C8B-B14F-4D97-AF65-F5344CB8AC3E}">

--- a/art/LOGO2.pptx
+++ b/art/LOGO2.pptx
@@ -2,18 +2,18 @@
 <file path=ppt/presentation.xml><?xml version="1.0" encoding="utf-8"?>
 <p:presentation xmlns:a="http://schemas.openxmlformats.org/drawingml/2006/main" xmlns:r="http://schemas.openxmlformats.org/officeDocument/2006/relationships" xmlns:p="http://schemas.openxmlformats.org/presentationml/2006/main" saveSubsetFonts="1">
   <p:sldMasterIdLst>
-    <p:sldMasterId id="2147483648" r:id="rId1"/>
+    <p:sldMasterId id="2147483660" r:id="rId1"/>
   </p:sldMasterIdLst>
   <p:sldIdLst>
     <p:sldId id="256" r:id="rId2"/>
   </p:sldIdLst>
-  <p:sldSz cx="12192000" cy="6858000"/>
+  <p:sldSz cx="6858000" cy="6858000"/>
   <p:notesSz cx="6858000" cy="9144000"/>
   <p:defaultTextStyle>
     <a:defPPr>
-      <a:defRPr lang="he-IL"/>
+      <a:defRPr lang="en-US"/>
     </a:defPPr>
-    <a:lvl1pPr marL="0" algn="l" defTabSz="914400" rtl="0" eaLnBrk="1" latinLnBrk="0" hangingPunct="1">
+    <a:lvl1pPr marL="0" algn="l" defTabSz="457200" rtl="0" eaLnBrk="1" latinLnBrk="0" hangingPunct="1">
       <a:defRPr sz="1800" kern="1200">
         <a:solidFill>
           <a:schemeClr val="tx1"/>
@@ -23,7 +23,7 @@
         <a:cs typeface="+mn-cs"/>
       </a:defRPr>
     </a:lvl1pPr>
-    <a:lvl2pPr marL="457200" algn="l" defTabSz="914400" rtl="0" eaLnBrk="1" latinLnBrk="0" hangingPunct="1">
+    <a:lvl2pPr marL="457200" algn="l" defTabSz="457200" rtl="0" eaLnBrk="1" latinLnBrk="0" hangingPunct="1">
       <a:defRPr sz="1800" kern="1200">
         <a:solidFill>
           <a:schemeClr val="tx1"/>
@@ -33,7 +33,7 @@
         <a:cs typeface="+mn-cs"/>
       </a:defRPr>
     </a:lvl2pPr>
-    <a:lvl3pPr marL="914400" algn="l" defTabSz="914400" rtl="0" eaLnBrk="1" latinLnBrk="0" hangingPunct="1">
+    <a:lvl3pPr marL="914400" algn="l" defTabSz="457200" rtl="0" eaLnBrk="1" latinLnBrk="0" hangingPunct="1">
       <a:defRPr sz="1800" kern="1200">
         <a:solidFill>
           <a:schemeClr val="tx1"/>
@@ -43,7 +43,7 @@
         <a:cs typeface="+mn-cs"/>
       </a:defRPr>
     </a:lvl3pPr>
-    <a:lvl4pPr marL="1371600" algn="l" defTabSz="914400" rtl="0" eaLnBrk="1" latinLnBrk="0" hangingPunct="1">
+    <a:lvl4pPr marL="1371600" algn="l" defTabSz="457200" rtl="0" eaLnBrk="1" latinLnBrk="0" hangingPunct="1">
       <a:defRPr sz="1800" kern="1200">
         <a:solidFill>
           <a:schemeClr val="tx1"/>
@@ -53,7 +53,7 @@
         <a:cs typeface="+mn-cs"/>
       </a:defRPr>
     </a:lvl4pPr>
-    <a:lvl5pPr marL="1828800" algn="l" defTabSz="914400" rtl="0" eaLnBrk="1" latinLnBrk="0" hangingPunct="1">
+    <a:lvl5pPr marL="1828800" algn="l" defTabSz="457200" rtl="0" eaLnBrk="1" latinLnBrk="0" hangingPunct="1">
       <a:defRPr sz="1800" kern="1200">
         <a:solidFill>
           <a:schemeClr val="tx1"/>
@@ -63,7 +63,7 @@
         <a:cs typeface="+mn-cs"/>
       </a:defRPr>
     </a:lvl5pPr>
-    <a:lvl6pPr marL="2286000" algn="l" defTabSz="914400" rtl="0" eaLnBrk="1" latinLnBrk="0" hangingPunct="1">
+    <a:lvl6pPr marL="2286000" algn="l" defTabSz="457200" rtl="0" eaLnBrk="1" latinLnBrk="0" hangingPunct="1">
       <a:defRPr sz="1800" kern="1200">
         <a:solidFill>
           <a:schemeClr val="tx1"/>
@@ -73,7 +73,7 @@
         <a:cs typeface="+mn-cs"/>
       </a:defRPr>
     </a:lvl6pPr>
-    <a:lvl7pPr marL="2743200" algn="l" defTabSz="914400" rtl="0" eaLnBrk="1" latinLnBrk="0" hangingPunct="1">
+    <a:lvl7pPr marL="2743200" algn="l" defTabSz="457200" rtl="0" eaLnBrk="1" latinLnBrk="0" hangingPunct="1">
       <a:defRPr sz="1800" kern="1200">
         <a:solidFill>
           <a:schemeClr val="tx1"/>
@@ -83,7 +83,7 @@
         <a:cs typeface="+mn-cs"/>
       </a:defRPr>
     </a:lvl7pPr>
-    <a:lvl8pPr marL="3200400" algn="l" defTabSz="914400" rtl="0" eaLnBrk="1" latinLnBrk="0" hangingPunct="1">
+    <a:lvl8pPr marL="3200400" algn="l" defTabSz="457200" rtl="0" eaLnBrk="1" latinLnBrk="0" hangingPunct="1">
       <a:defRPr sz="1800" kern="1200">
         <a:solidFill>
           <a:schemeClr val="tx1"/>
@@ -93,7 +93,7 @@
         <a:cs typeface="+mn-cs"/>
       </a:defRPr>
     </a:lvl8pPr>
-    <a:lvl9pPr marL="3657600" algn="l" defTabSz="914400" rtl="0" eaLnBrk="1" latinLnBrk="0" hangingPunct="1">
+    <a:lvl9pPr marL="3657600" algn="l" defTabSz="457200" rtl="0" eaLnBrk="1" latinLnBrk="0" hangingPunct="1">
       <a:defRPr sz="1800" kern="1200">
         <a:solidFill>
           <a:schemeClr val="tx1"/>
@@ -131,13 +131,7 @@
       </p:grpSpPr>
       <p:sp>
         <p:nvSpPr>
-          <p:cNvPr id="2" name="Title 1">
-            <a:extLst>
-              <a:ext uri="{FF2B5EF4-FFF2-40B4-BE49-F238E27FC236}">
-                <a16:creationId xmlns:a16="http://schemas.microsoft.com/office/drawing/2014/main" id="{7803917E-995D-4120-A849-5D24FC5679E0}"/>
-              </a:ext>
-            </a:extLst>
-          </p:cNvPr>
+          <p:cNvPr id="2" name="Title 1"/>
           <p:cNvSpPr>
             <a:spLocks noGrp="1"/>
           </p:cNvSpPr>
@@ -147,15 +141,15 @@
         </p:nvSpPr>
         <p:spPr>
           <a:xfrm>
-            <a:off x="1524000" y="1122363"/>
-            <a:ext cx="9144000" cy="2387600"/>
+            <a:off x="514350" y="1122363"/>
+            <a:ext cx="5829300" cy="2387600"/>
           </a:xfrm>
         </p:spPr>
         <p:txBody>
           <a:bodyPr anchor="b"/>
           <a:lstStyle>
             <a:lvl1pPr algn="ctr">
-              <a:defRPr sz="6000"/>
+              <a:defRPr sz="4500"/>
             </a:lvl1pPr>
           </a:lstStyle>
           <a:p>
@@ -163,19 +157,13 @@
               <a:rPr lang="en-US"/>
               <a:t>Click to edit Master title style</a:t>
             </a:r>
-            <a:endParaRPr lang="he-IL"/>
-          </a:p>
-        </p:txBody>
-      </p:sp>
-      <p:sp>
-        <p:nvSpPr>
-          <p:cNvPr id="3" name="Subtitle 2">
-            <a:extLst>
-              <a:ext uri="{FF2B5EF4-FFF2-40B4-BE49-F238E27FC236}">
-                <a16:creationId xmlns:a16="http://schemas.microsoft.com/office/drawing/2014/main" id="{D3BA456B-4891-4A07-8479-96A1EEEBBFD9}"/>
-              </a:ext>
-            </a:extLst>
-          </p:cNvPr>
+            <a:endParaRPr lang="en-US" dirty="0"/>
+          </a:p>
+        </p:txBody>
+      </p:sp>
+      <p:sp>
+        <p:nvSpPr>
+          <p:cNvPr id="3" name="Subtitle 2"/>
           <p:cNvSpPr>
             <a:spLocks noGrp="1"/>
           </p:cNvSpPr>
@@ -185,8 +173,8 @@
         </p:nvSpPr>
         <p:spPr>
           <a:xfrm>
-            <a:off x="1524000" y="3602038"/>
-            <a:ext cx="9144000" cy="1655762"/>
+            <a:off x="857250" y="3602038"/>
+            <a:ext cx="5143500" cy="1655762"/>
           </a:xfrm>
         </p:spPr>
         <p:txBody>
@@ -194,39 +182,39 @@
           <a:lstStyle>
             <a:lvl1pPr marL="0" indent="0" algn="ctr">
               <a:buNone/>
-              <a:defRPr sz="2400"/>
+              <a:defRPr sz="1800"/>
             </a:lvl1pPr>
-            <a:lvl2pPr marL="457200" indent="0" algn="ctr">
-              <a:buNone/>
-              <a:defRPr sz="2000"/>
+            <a:lvl2pPr marL="342900" indent="0" algn="ctr">
+              <a:buNone/>
+              <a:defRPr sz="1500"/>
             </a:lvl2pPr>
-            <a:lvl3pPr marL="914400" indent="0" algn="ctr">
-              <a:buNone/>
-              <a:defRPr sz="1800"/>
+            <a:lvl3pPr marL="685800" indent="0" algn="ctr">
+              <a:buNone/>
+              <a:defRPr sz="1350"/>
             </a:lvl3pPr>
-            <a:lvl4pPr marL="1371600" indent="0" algn="ctr">
-              <a:buNone/>
-              <a:defRPr sz="1600"/>
+            <a:lvl4pPr marL="1028700" indent="0" algn="ctr">
+              <a:buNone/>
+              <a:defRPr sz="1200"/>
             </a:lvl4pPr>
-            <a:lvl5pPr marL="1828800" indent="0" algn="ctr">
-              <a:buNone/>
-              <a:defRPr sz="1600"/>
+            <a:lvl5pPr marL="1371600" indent="0" algn="ctr">
+              <a:buNone/>
+              <a:defRPr sz="1200"/>
             </a:lvl5pPr>
-            <a:lvl6pPr marL="2286000" indent="0" algn="ctr">
-              <a:buNone/>
-              <a:defRPr sz="1600"/>
+            <a:lvl6pPr marL="1714500" indent="0" algn="ctr">
+              <a:buNone/>
+              <a:defRPr sz="1200"/>
             </a:lvl6pPr>
-            <a:lvl7pPr marL="2743200" indent="0" algn="ctr">
-              <a:buNone/>
-              <a:defRPr sz="1600"/>
+            <a:lvl7pPr marL="2057400" indent="0" algn="ctr">
+              <a:buNone/>
+              <a:defRPr sz="1200"/>
             </a:lvl7pPr>
-            <a:lvl8pPr marL="3200400" indent="0" algn="ctr">
-              <a:buNone/>
-              <a:defRPr sz="1600"/>
+            <a:lvl8pPr marL="2400300" indent="0" algn="ctr">
+              <a:buNone/>
+              <a:defRPr sz="1200"/>
             </a:lvl8pPr>
-            <a:lvl9pPr marL="3657600" indent="0" algn="ctr">
-              <a:buNone/>
-              <a:defRPr sz="1600"/>
+            <a:lvl9pPr marL="2743200" indent="0" algn="ctr">
+              <a:buNone/>
+              <a:defRPr sz="1200"/>
             </a:lvl9pPr>
           </a:lstStyle>
           <a:p>
@@ -234,19 +222,13 @@
               <a:rPr lang="en-US"/>
               <a:t>Click to edit Master subtitle style</a:t>
             </a:r>
-            <a:endParaRPr lang="he-IL"/>
-          </a:p>
-        </p:txBody>
-      </p:sp>
-      <p:sp>
-        <p:nvSpPr>
-          <p:cNvPr id="4" name="Date Placeholder 3">
-            <a:extLst>
-              <a:ext uri="{FF2B5EF4-FFF2-40B4-BE49-F238E27FC236}">
-                <a16:creationId xmlns:a16="http://schemas.microsoft.com/office/drawing/2014/main" id="{E1C7A9D2-E941-4EFF-905B-FED07FCC3F64}"/>
-              </a:ext>
-            </a:extLst>
-          </p:cNvPr>
+            <a:endParaRPr lang="en-US" dirty="0"/>
+          </a:p>
+        </p:txBody>
+      </p:sp>
+      <p:sp>
+        <p:nvSpPr>
+          <p:cNvPr id="4" name="Date Placeholder 3"/>
           <p:cNvSpPr>
             <a:spLocks noGrp="1"/>
           </p:cNvSpPr>
@@ -261,7 +243,7 @@
           <a:p>
             <a:fld id="{24191A7E-2728-45C9-BF1A-3CA8E391AEBD}" type="datetimeFigureOut">
               <a:rPr lang="he-IL" smtClean="0"/>
-              <a:t>ט"ו/ניסן/תשפ"ב</a:t>
+              <a:t>י"ז/ניסן/תשפ"ב</a:t>
             </a:fld>
             <a:endParaRPr lang="he-IL"/>
           </a:p>
@@ -269,13 +251,7 @@
       </p:sp>
       <p:sp>
         <p:nvSpPr>
-          <p:cNvPr id="5" name="Footer Placeholder 4">
-            <a:extLst>
-              <a:ext uri="{FF2B5EF4-FFF2-40B4-BE49-F238E27FC236}">
-                <a16:creationId xmlns:a16="http://schemas.microsoft.com/office/drawing/2014/main" id="{EE901C59-178F-483C-99B7-2700EA834D28}"/>
-              </a:ext>
-            </a:extLst>
-          </p:cNvPr>
+          <p:cNvPr id="5" name="Footer Placeholder 4"/>
           <p:cNvSpPr>
             <a:spLocks noGrp="1"/>
           </p:cNvSpPr>
@@ -294,13 +270,7 @@
       </p:sp>
       <p:sp>
         <p:nvSpPr>
-          <p:cNvPr id="6" name="Slide Number Placeholder 5">
-            <a:extLst>
-              <a:ext uri="{FF2B5EF4-FFF2-40B4-BE49-F238E27FC236}">
-                <a16:creationId xmlns:a16="http://schemas.microsoft.com/office/drawing/2014/main" id="{E18BA7C5-E86F-4159-9D3C-A5F3901EF75B}"/>
-              </a:ext>
-            </a:extLst>
-          </p:cNvPr>
+          <p:cNvPr id="6" name="Slide Number Placeholder 5"/>
           <p:cNvSpPr>
             <a:spLocks noGrp="1"/>
           </p:cNvSpPr>
@@ -324,7 +294,7 @@
     </p:spTree>
     <p:extLst>
       <p:ext uri="{BB962C8B-B14F-4D97-AF65-F5344CB8AC3E}">
-        <p14:creationId xmlns:p14="http://schemas.microsoft.com/office/powerpoint/2010/main" val="4142446448"/>
+        <p14:creationId xmlns:p14="http://schemas.microsoft.com/office/powerpoint/2010/main" val="488051556"/>
       </p:ext>
     </p:extLst>
   </p:cSld>
@@ -353,13 +323,7 @@
       </p:grpSpPr>
       <p:sp>
         <p:nvSpPr>
-          <p:cNvPr id="2" name="Title 1">
-            <a:extLst>
-              <a:ext uri="{FF2B5EF4-FFF2-40B4-BE49-F238E27FC236}">
-                <a16:creationId xmlns:a16="http://schemas.microsoft.com/office/drawing/2014/main" id="{CDC5128E-3690-4A05-BF09-8AAE8D3D19D8}"/>
-              </a:ext>
-            </a:extLst>
-          </p:cNvPr>
+          <p:cNvPr id="2" name="Title 1"/>
           <p:cNvSpPr>
             <a:spLocks noGrp="1"/>
           </p:cNvSpPr>
@@ -376,19 +340,13 @@
               <a:rPr lang="en-US"/>
               <a:t>Click to edit Master title style</a:t>
             </a:r>
-            <a:endParaRPr lang="he-IL"/>
-          </a:p>
-        </p:txBody>
-      </p:sp>
-      <p:sp>
-        <p:nvSpPr>
-          <p:cNvPr id="3" name="Vertical Text Placeholder 2">
-            <a:extLst>
-              <a:ext uri="{FF2B5EF4-FFF2-40B4-BE49-F238E27FC236}">
-                <a16:creationId xmlns:a16="http://schemas.microsoft.com/office/drawing/2014/main" id="{65FB7500-053A-4BA8-A34A-769F156B3F46}"/>
-              </a:ext>
-            </a:extLst>
-          </p:cNvPr>
+            <a:endParaRPr lang="en-US" dirty="0"/>
+          </a:p>
+        </p:txBody>
+      </p:sp>
+      <p:sp>
+        <p:nvSpPr>
+          <p:cNvPr id="3" name="Vertical Text Placeholder 2"/>
           <p:cNvSpPr>
             <a:spLocks noGrp="1"/>
           </p:cNvSpPr>
@@ -434,19 +392,13 @@
               <a:rPr lang="en-US"/>
               <a:t>Fifth level</a:t>
             </a:r>
-            <a:endParaRPr lang="he-IL"/>
-          </a:p>
-        </p:txBody>
-      </p:sp>
-      <p:sp>
-        <p:nvSpPr>
-          <p:cNvPr id="4" name="Date Placeholder 3">
-            <a:extLst>
-              <a:ext uri="{FF2B5EF4-FFF2-40B4-BE49-F238E27FC236}">
-                <a16:creationId xmlns:a16="http://schemas.microsoft.com/office/drawing/2014/main" id="{C4F7C6E7-EF6D-40F0-8587-5D7779EB789E}"/>
-              </a:ext>
-            </a:extLst>
-          </p:cNvPr>
+            <a:endParaRPr lang="en-US" dirty="0"/>
+          </a:p>
+        </p:txBody>
+      </p:sp>
+      <p:sp>
+        <p:nvSpPr>
+          <p:cNvPr id="4" name="Date Placeholder 3"/>
           <p:cNvSpPr>
             <a:spLocks noGrp="1"/>
           </p:cNvSpPr>
@@ -461,7 +413,7 @@
           <a:p>
             <a:fld id="{24191A7E-2728-45C9-BF1A-3CA8E391AEBD}" type="datetimeFigureOut">
               <a:rPr lang="he-IL" smtClean="0"/>
-              <a:t>ט"ו/ניסן/תשפ"ב</a:t>
+              <a:t>י"ז/ניסן/תשפ"ב</a:t>
             </a:fld>
             <a:endParaRPr lang="he-IL"/>
           </a:p>
@@ -469,13 +421,7 @@
       </p:sp>
       <p:sp>
         <p:nvSpPr>
-          <p:cNvPr id="5" name="Footer Placeholder 4">
-            <a:extLst>
-              <a:ext uri="{FF2B5EF4-FFF2-40B4-BE49-F238E27FC236}">
-                <a16:creationId xmlns:a16="http://schemas.microsoft.com/office/drawing/2014/main" id="{BF9D5CA7-D4F8-4D94-8E35-4DE1CF9772AB}"/>
-              </a:ext>
-            </a:extLst>
-          </p:cNvPr>
+          <p:cNvPr id="5" name="Footer Placeholder 4"/>
           <p:cNvSpPr>
             <a:spLocks noGrp="1"/>
           </p:cNvSpPr>
@@ -494,13 +440,7 @@
       </p:sp>
       <p:sp>
         <p:nvSpPr>
-          <p:cNvPr id="6" name="Slide Number Placeholder 5">
-            <a:extLst>
-              <a:ext uri="{FF2B5EF4-FFF2-40B4-BE49-F238E27FC236}">
-                <a16:creationId xmlns:a16="http://schemas.microsoft.com/office/drawing/2014/main" id="{E479B573-BB9B-4070-A2FE-A897D0C8175C}"/>
-              </a:ext>
-            </a:extLst>
-          </p:cNvPr>
+          <p:cNvPr id="6" name="Slide Number Placeholder 5"/>
           <p:cNvSpPr>
             <a:spLocks noGrp="1"/>
           </p:cNvSpPr>
@@ -524,7 +464,7 @@
     </p:spTree>
     <p:extLst>
       <p:ext uri="{BB962C8B-B14F-4D97-AF65-F5344CB8AC3E}">
-        <p14:creationId xmlns:p14="http://schemas.microsoft.com/office/powerpoint/2010/main" val="758028341"/>
+        <p14:creationId xmlns:p14="http://schemas.microsoft.com/office/powerpoint/2010/main" val="1962951748"/>
       </p:ext>
     </p:extLst>
   </p:cSld>
@@ -553,13 +493,7 @@
       </p:grpSpPr>
       <p:sp>
         <p:nvSpPr>
-          <p:cNvPr id="2" name="Vertical Title 1">
-            <a:extLst>
-              <a:ext uri="{FF2B5EF4-FFF2-40B4-BE49-F238E27FC236}">
-                <a16:creationId xmlns:a16="http://schemas.microsoft.com/office/drawing/2014/main" id="{0ACC6711-A845-4899-BF15-312D3E995E48}"/>
-              </a:ext>
-            </a:extLst>
-          </p:cNvPr>
+          <p:cNvPr id="2" name="Vertical Title 1"/>
           <p:cNvSpPr>
             <a:spLocks noGrp="1"/>
           </p:cNvSpPr>
@@ -569,8 +503,8 @@
         </p:nvSpPr>
         <p:spPr>
           <a:xfrm>
-            <a:off x="8724900" y="365125"/>
-            <a:ext cx="2628900" cy="5811838"/>
+            <a:off x="4907757" y="365125"/>
+            <a:ext cx="1478756" cy="5811838"/>
           </a:xfrm>
         </p:spPr>
         <p:txBody>
@@ -581,19 +515,13 @@
               <a:rPr lang="en-US"/>
               <a:t>Click to edit Master title style</a:t>
             </a:r>
-            <a:endParaRPr lang="he-IL"/>
-          </a:p>
-        </p:txBody>
-      </p:sp>
-      <p:sp>
-        <p:nvSpPr>
-          <p:cNvPr id="3" name="Vertical Text Placeholder 2">
-            <a:extLst>
-              <a:ext uri="{FF2B5EF4-FFF2-40B4-BE49-F238E27FC236}">
-                <a16:creationId xmlns:a16="http://schemas.microsoft.com/office/drawing/2014/main" id="{B65AD2F0-1EAD-4111-A8AB-EA1785532A55}"/>
-              </a:ext>
-            </a:extLst>
-          </p:cNvPr>
+            <a:endParaRPr lang="en-US" dirty="0"/>
+          </a:p>
+        </p:txBody>
+      </p:sp>
+      <p:sp>
+        <p:nvSpPr>
+          <p:cNvPr id="3" name="Vertical Text Placeholder 2"/>
           <p:cNvSpPr>
             <a:spLocks noGrp="1"/>
           </p:cNvSpPr>
@@ -603,8 +531,8 @@
         </p:nvSpPr>
         <p:spPr>
           <a:xfrm>
-            <a:off x="838200" y="365125"/>
-            <a:ext cx="7734300" cy="5811838"/>
+            <a:off x="471488" y="365125"/>
+            <a:ext cx="4350544" cy="5811838"/>
           </a:xfrm>
         </p:spPr>
         <p:txBody>
@@ -644,19 +572,13 @@
               <a:rPr lang="en-US"/>
               <a:t>Fifth level</a:t>
             </a:r>
-            <a:endParaRPr lang="he-IL"/>
-          </a:p>
-        </p:txBody>
-      </p:sp>
-      <p:sp>
-        <p:nvSpPr>
-          <p:cNvPr id="4" name="Date Placeholder 3">
-            <a:extLst>
-              <a:ext uri="{FF2B5EF4-FFF2-40B4-BE49-F238E27FC236}">
-                <a16:creationId xmlns:a16="http://schemas.microsoft.com/office/drawing/2014/main" id="{4C644945-AA8C-410B-96B7-097862846E43}"/>
-              </a:ext>
-            </a:extLst>
-          </p:cNvPr>
+            <a:endParaRPr lang="en-US" dirty="0"/>
+          </a:p>
+        </p:txBody>
+      </p:sp>
+      <p:sp>
+        <p:nvSpPr>
+          <p:cNvPr id="4" name="Date Placeholder 3"/>
           <p:cNvSpPr>
             <a:spLocks noGrp="1"/>
           </p:cNvSpPr>
@@ -671,7 +593,7 @@
           <a:p>
             <a:fld id="{24191A7E-2728-45C9-BF1A-3CA8E391AEBD}" type="datetimeFigureOut">
               <a:rPr lang="he-IL" smtClean="0"/>
-              <a:t>ט"ו/ניסן/תשפ"ב</a:t>
+              <a:t>י"ז/ניסן/תשפ"ב</a:t>
             </a:fld>
             <a:endParaRPr lang="he-IL"/>
           </a:p>
@@ -679,13 +601,7 @@
       </p:sp>
       <p:sp>
         <p:nvSpPr>
-          <p:cNvPr id="5" name="Footer Placeholder 4">
-            <a:extLst>
-              <a:ext uri="{FF2B5EF4-FFF2-40B4-BE49-F238E27FC236}">
-                <a16:creationId xmlns:a16="http://schemas.microsoft.com/office/drawing/2014/main" id="{95F5EEA7-0B1E-4008-8D60-AF9B616242A2}"/>
-              </a:ext>
-            </a:extLst>
-          </p:cNvPr>
+          <p:cNvPr id="5" name="Footer Placeholder 4"/>
           <p:cNvSpPr>
             <a:spLocks noGrp="1"/>
           </p:cNvSpPr>
@@ -704,13 +620,7 @@
       </p:sp>
       <p:sp>
         <p:nvSpPr>
-          <p:cNvPr id="6" name="Slide Number Placeholder 5">
-            <a:extLst>
-              <a:ext uri="{FF2B5EF4-FFF2-40B4-BE49-F238E27FC236}">
-                <a16:creationId xmlns:a16="http://schemas.microsoft.com/office/drawing/2014/main" id="{FCCFCF0D-836E-47AA-A52B-814F6ADFD4C9}"/>
-              </a:ext>
-            </a:extLst>
-          </p:cNvPr>
+          <p:cNvPr id="6" name="Slide Number Placeholder 5"/>
           <p:cNvSpPr>
             <a:spLocks noGrp="1"/>
           </p:cNvSpPr>
@@ -734,7 +644,7 @@
     </p:spTree>
     <p:extLst>
       <p:ext uri="{BB962C8B-B14F-4D97-AF65-F5344CB8AC3E}">
-        <p14:creationId xmlns:p14="http://schemas.microsoft.com/office/powerpoint/2010/main" val="2481717646"/>
+        <p14:creationId xmlns:p14="http://schemas.microsoft.com/office/powerpoint/2010/main" val="1796195382"/>
       </p:ext>
     </p:extLst>
   </p:cSld>
@@ -763,13 +673,7 @@
       </p:grpSpPr>
       <p:sp>
         <p:nvSpPr>
-          <p:cNvPr id="2" name="Title 1">
-            <a:extLst>
-              <a:ext uri="{FF2B5EF4-FFF2-40B4-BE49-F238E27FC236}">
-                <a16:creationId xmlns:a16="http://schemas.microsoft.com/office/drawing/2014/main" id="{B54EC847-6906-4827-BF4C-A92A1D36BD0A}"/>
-              </a:ext>
-            </a:extLst>
-          </p:cNvPr>
+          <p:cNvPr id="2" name="Title 1"/>
           <p:cNvSpPr>
             <a:spLocks noGrp="1"/>
           </p:cNvSpPr>
@@ -786,19 +690,13 @@
               <a:rPr lang="en-US"/>
               <a:t>Click to edit Master title style</a:t>
             </a:r>
-            <a:endParaRPr lang="he-IL"/>
-          </a:p>
-        </p:txBody>
-      </p:sp>
-      <p:sp>
-        <p:nvSpPr>
-          <p:cNvPr id="3" name="Content Placeholder 2">
-            <a:extLst>
-              <a:ext uri="{FF2B5EF4-FFF2-40B4-BE49-F238E27FC236}">
-                <a16:creationId xmlns:a16="http://schemas.microsoft.com/office/drawing/2014/main" id="{96BA3508-2465-49B4-9649-7949767FED8E}"/>
-              </a:ext>
-            </a:extLst>
-          </p:cNvPr>
+            <a:endParaRPr lang="en-US" dirty="0"/>
+          </a:p>
+        </p:txBody>
+      </p:sp>
+      <p:sp>
+        <p:nvSpPr>
+          <p:cNvPr id="3" name="Content Placeholder 2"/>
           <p:cNvSpPr>
             <a:spLocks noGrp="1"/>
           </p:cNvSpPr>
@@ -844,19 +742,13 @@
               <a:rPr lang="en-US"/>
               <a:t>Fifth level</a:t>
             </a:r>
-            <a:endParaRPr lang="he-IL"/>
-          </a:p>
-        </p:txBody>
-      </p:sp>
-      <p:sp>
-        <p:nvSpPr>
-          <p:cNvPr id="4" name="Date Placeholder 3">
-            <a:extLst>
-              <a:ext uri="{FF2B5EF4-FFF2-40B4-BE49-F238E27FC236}">
-                <a16:creationId xmlns:a16="http://schemas.microsoft.com/office/drawing/2014/main" id="{CFF8E888-BA6A-47F3-ABA1-7B82DD2A0015}"/>
-              </a:ext>
-            </a:extLst>
-          </p:cNvPr>
+            <a:endParaRPr lang="en-US" dirty="0"/>
+          </a:p>
+        </p:txBody>
+      </p:sp>
+      <p:sp>
+        <p:nvSpPr>
+          <p:cNvPr id="4" name="Date Placeholder 3"/>
           <p:cNvSpPr>
             <a:spLocks noGrp="1"/>
           </p:cNvSpPr>
@@ -871,7 +763,7 @@
           <a:p>
             <a:fld id="{24191A7E-2728-45C9-BF1A-3CA8E391AEBD}" type="datetimeFigureOut">
               <a:rPr lang="he-IL" smtClean="0"/>
-              <a:t>ט"ו/ניסן/תשפ"ב</a:t>
+              <a:t>י"ז/ניסן/תשפ"ב</a:t>
             </a:fld>
             <a:endParaRPr lang="he-IL"/>
           </a:p>
@@ -879,13 +771,7 @@
       </p:sp>
       <p:sp>
         <p:nvSpPr>
-          <p:cNvPr id="5" name="Footer Placeholder 4">
-            <a:extLst>
-              <a:ext uri="{FF2B5EF4-FFF2-40B4-BE49-F238E27FC236}">
-                <a16:creationId xmlns:a16="http://schemas.microsoft.com/office/drawing/2014/main" id="{FF3A61AC-CAA6-49C5-A04C-3B8BA5F51508}"/>
-              </a:ext>
-            </a:extLst>
-          </p:cNvPr>
+          <p:cNvPr id="5" name="Footer Placeholder 4"/>
           <p:cNvSpPr>
             <a:spLocks noGrp="1"/>
           </p:cNvSpPr>
@@ -904,13 +790,7 @@
       </p:sp>
       <p:sp>
         <p:nvSpPr>
-          <p:cNvPr id="6" name="Slide Number Placeholder 5">
-            <a:extLst>
-              <a:ext uri="{FF2B5EF4-FFF2-40B4-BE49-F238E27FC236}">
-                <a16:creationId xmlns:a16="http://schemas.microsoft.com/office/drawing/2014/main" id="{6AACF5F2-20AA-42F2-9EC1-05EA09B95378}"/>
-              </a:ext>
-            </a:extLst>
-          </p:cNvPr>
+          <p:cNvPr id="6" name="Slide Number Placeholder 5"/>
           <p:cNvSpPr>
             <a:spLocks noGrp="1"/>
           </p:cNvSpPr>
@@ -934,7 +814,7 @@
     </p:spTree>
     <p:extLst>
       <p:ext uri="{BB962C8B-B14F-4D97-AF65-F5344CB8AC3E}">
-        <p14:creationId xmlns:p14="http://schemas.microsoft.com/office/powerpoint/2010/main" val="1207441932"/>
+        <p14:creationId xmlns:p14="http://schemas.microsoft.com/office/powerpoint/2010/main" val="2141926620"/>
       </p:ext>
     </p:extLst>
   </p:cSld>
@@ -963,13 +843,7 @@
       </p:grpSpPr>
       <p:sp>
         <p:nvSpPr>
-          <p:cNvPr id="2" name="Title 1">
-            <a:extLst>
-              <a:ext uri="{FF2B5EF4-FFF2-40B4-BE49-F238E27FC236}">
-                <a16:creationId xmlns:a16="http://schemas.microsoft.com/office/drawing/2014/main" id="{A2C1CFA7-4FF4-478A-B29E-F1AFABFA839C}"/>
-              </a:ext>
-            </a:extLst>
-          </p:cNvPr>
+          <p:cNvPr id="2" name="Title 1"/>
           <p:cNvSpPr>
             <a:spLocks noGrp="1"/>
           </p:cNvSpPr>
@@ -979,15 +853,15 @@
         </p:nvSpPr>
         <p:spPr>
           <a:xfrm>
-            <a:off x="831850" y="1709738"/>
-            <a:ext cx="10515600" cy="2852737"/>
+            <a:off x="467916" y="1709740"/>
+            <a:ext cx="5915025" cy="2852737"/>
           </a:xfrm>
         </p:spPr>
         <p:txBody>
           <a:bodyPr anchor="b"/>
           <a:lstStyle>
             <a:lvl1pPr>
-              <a:defRPr sz="6000"/>
+              <a:defRPr sz="4500"/>
             </a:lvl1pPr>
           </a:lstStyle>
           <a:p>
@@ -995,19 +869,13 @@
               <a:rPr lang="en-US"/>
               <a:t>Click to edit Master title style</a:t>
             </a:r>
-            <a:endParaRPr lang="he-IL"/>
-          </a:p>
-        </p:txBody>
-      </p:sp>
-      <p:sp>
-        <p:nvSpPr>
-          <p:cNvPr id="3" name="Text Placeholder 2">
-            <a:extLst>
-              <a:ext uri="{FF2B5EF4-FFF2-40B4-BE49-F238E27FC236}">
-                <a16:creationId xmlns:a16="http://schemas.microsoft.com/office/drawing/2014/main" id="{9CC88748-01B9-439C-8C7D-C38F68104252}"/>
-              </a:ext>
-            </a:extLst>
-          </p:cNvPr>
+            <a:endParaRPr lang="en-US" dirty="0"/>
+          </a:p>
+        </p:txBody>
+      </p:sp>
+      <p:sp>
+        <p:nvSpPr>
+          <p:cNvPr id="3" name="Text Placeholder 2"/>
           <p:cNvSpPr>
             <a:spLocks noGrp="1"/>
           </p:cNvSpPr>
@@ -1017,8 +885,8 @@
         </p:nvSpPr>
         <p:spPr>
           <a:xfrm>
-            <a:off x="831850" y="4589463"/>
-            <a:ext cx="10515600" cy="1500187"/>
+            <a:off x="467916" y="4589465"/>
+            <a:ext cx="5915025" cy="1500187"/>
           </a:xfrm>
         </p:spPr>
         <p:txBody>
@@ -1026,17 +894,15 @@
           <a:lstStyle>
             <a:lvl1pPr marL="0" indent="0">
               <a:buNone/>
-              <a:defRPr sz="2400">
+              <a:defRPr sz="1800">
                 <a:solidFill>
-                  <a:schemeClr val="tx1">
-                    <a:tint val="75000"/>
-                  </a:schemeClr>
+                  <a:schemeClr val="tx1"/>
                 </a:solidFill>
               </a:defRPr>
             </a:lvl1pPr>
-            <a:lvl2pPr marL="457200" indent="0">
-              <a:buNone/>
-              <a:defRPr sz="2000">
+            <a:lvl2pPr marL="342900" indent="0">
+              <a:buNone/>
+              <a:defRPr sz="1500">
                 <a:solidFill>
                   <a:schemeClr val="tx1">
                     <a:tint val="75000"/>
@@ -1044,9 +910,9 @@
                 </a:solidFill>
               </a:defRPr>
             </a:lvl2pPr>
-            <a:lvl3pPr marL="914400" indent="0">
-              <a:buNone/>
-              <a:defRPr sz="1800">
+            <a:lvl3pPr marL="685800" indent="0">
+              <a:buNone/>
+              <a:defRPr sz="1350">
                 <a:solidFill>
                   <a:schemeClr val="tx1">
                     <a:tint val="75000"/>
@@ -1054,9 +920,9 @@
                 </a:solidFill>
               </a:defRPr>
             </a:lvl3pPr>
-            <a:lvl4pPr marL="1371600" indent="0">
-              <a:buNone/>
-              <a:defRPr sz="1600">
+            <a:lvl4pPr marL="1028700" indent="0">
+              <a:buNone/>
+              <a:defRPr sz="1200">
                 <a:solidFill>
                   <a:schemeClr val="tx1">
                     <a:tint val="75000"/>
@@ -1064,9 +930,9 @@
                 </a:solidFill>
               </a:defRPr>
             </a:lvl4pPr>
-            <a:lvl5pPr marL="1828800" indent="0">
-              <a:buNone/>
-              <a:defRPr sz="1600">
+            <a:lvl5pPr marL="1371600" indent="0">
+              <a:buNone/>
+              <a:defRPr sz="1200">
                 <a:solidFill>
                   <a:schemeClr val="tx1">
                     <a:tint val="75000"/>
@@ -1074,9 +940,9 @@
                 </a:solidFill>
               </a:defRPr>
             </a:lvl5pPr>
-            <a:lvl6pPr marL="2286000" indent="0">
-              <a:buNone/>
-              <a:defRPr sz="1600">
+            <a:lvl6pPr marL="1714500" indent="0">
+              <a:buNone/>
+              <a:defRPr sz="1200">
                 <a:solidFill>
                   <a:schemeClr val="tx1">
                     <a:tint val="75000"/>
@@ -1084,9 +950,9 @@
                 </a:solidFill>
               </a:defRPr>
             </a:lvl6pPr>
-            <a:lvl7pPr marL="2743200" indent="0">
-              <a:buNone/>
-              <a:defRPr sz="1600">
+            <a:lvl7pPr marL="2057400" indent="0">
+              <a:buNone/>
+              <a:defRPr sz="1200">
                 <a:solidFill>
                   <a:schemeClr val="tx1">
                     <a:tint val="75000"/>
@@ -1094,9 +960,9 @@
                 </a:solidFill>
               </a:defRPr>
             </a:lvl7pPr>
-            <a:lvl8pPr marL="3200400" indent="0">
-              <a:buNone/>
-              <a:defRPr sz="1600">
+            <a:lvl8pPr marL="2400300" indent="0">
+              <a:buNone/>
+              <a:defRPr sz="1200">
                 <a:solidFill>
                   <a:schemeClr val="tx1">
                     <a:tint val="75000"/>
@@ -1104,9 +970,9 @@
                 </a:solidFill>
               </a:defRPr>
             </a:lvl8pPr>
-            <a:lvl9pPr marL="3657600" indent="0">
-              <a:buNone/>
-              <a:defRPr sz="1600">
+            <a:lvl9pPr marL="2743200" indent="0">
+              <a:buNone/>
+              <a:defRPr sz="1200">
                 <a:solidFill>
                   <a:schemeClr val="tx1">
                     <a:tint val="75000"/>
@@ -1126,13 +992,7 @@
       </p:sp>
       <p:sp>
         <p:nvSpPr>
-          <p:cNvPr id="4" name="Date Placeholder 3">
-            <a:extLst>
-              <a:ext uri="{FF2B5EF4-FFF2-40B4-BE49-F238E27FC236}">
-                <a16:creationId xmlns:a16="http://schemas.microsoft.com/office/drawing/2014/main" id="{10926F93-B41D-4BDF-AC2E-A55DD69267DD}"/>
-              </a:ext>
-            </a:extLst>
-          </p:cNvPr>
+          <p:cNvPr id="4" name="Date Placeholder 3"/>
           <p:cNvSpPr>
             <a:spLocks noGrp="1"/>
           </p:cNvSpPr>
@@ -1147,7 +1007,7 @@
           <a:p>
             <a:fld id="{24191A7E-2728-45C9-BF1A-3CA8E391AEBD}" type="datetimeFigureOut">
               <a:rPr lang="he-IL" smtClean="0"/>
-              <a:t>ט"ו/ניסן/תשפ"ב</a:t>
+              <a:t>י"ז/ניסן/תשפ"ב</a:t>
             </a:fld>
             <a:endParaRPr lang="he-IL"/>
           </a:p>
@@ -1155,13 +1015,7 @@
       </p:sp>
       <p:sp>
         <p:nvSpPr>
-          <p:cNvPr id="5" name="Footer Placeholder 4">
-            <a:extLst>
-              <a:ext uri="{FF2B5EF4-FFF2-40B4-BE49-F238E27FC236}">
-                <a16:creationId xmlns:a16="http://schemas.microsoft.com/office/drawing/2014/main" id="{CF9BD36F-6CE3-4610-91AC-593397DE9205}"/>
-              </a:ext>
-            </a:extLst>
-          </p:cNvPr>
+          <p:cNvPr id="5" name="Footer Placeholder 4"/>
           <p:cNvSpPr>
             <a:spLocks noGrp="1"/>
           </p:cNvSpPr>
@@ -1180,13 +1034,7 @@
       </p:sp>
       <p:sp>
         <p:nvSpPr>
-          <p:cNvPr id="6" name="Slide Number Placeholder 5">
-            <a:extLst>
-              <a:ext uri="{FF2B5EF4-FFF2-40B4-BE49-F238E27FC236}">
-                <a16:creationId xmlns:a16="http://schemas.microsoft.com/office/drawing/2014/main" id="{D3CDC8E8-FA99-4B98-969B-E869D321FBD9}"/>
-              </a:ext>
-            </a:extLst>
-          </p:cNvPr>
+          <p:cNvPr id="6" name="Slide Number Placeholder 5"/>
           <p:cNvSpPr>
             <a:spLocks noGrp="1"/>
           </p:cNvSpPr>
@@ -1210,7 +1058,7 @@
     </p:spTree>
     <p:extLst>
       <p:ext uri="{BB962C8B-B14F-4D97-AF65-F5344CB8AC3E}">
-        <p14:creationId xmlns:p14="http://schemas.microsoft.com/office/powerpoint/2010/main" val="3900122296"/>
+        <p14:creationId xmlns:p14="http://schemas.microsoft.com/office/powerpoint/2010/main" val="3445946877"/>
       </p:ext>
     </p:extLst>
   </p:cSld>
@@ -1239,13 +1087,7 @@
       </p:grpSpPr>
       <p:sp>
         <p:nvSpPr>
-          <p:cNvPr id="2" name="Title 1">
-            <a:extLst>
-              <a:ext uri="{FF2B5EF4-FFF2-40B4-BE49-F238E27FC236}">
-                <a16:creationId xmlns:a16="http://schemas.microsoft.com/office/drawing/2014/main" id="{EF16A95B-B2D2-4831-B00F-E16E01E8D1DE}"/>
-              </a:ext>
-            </a:extLst>
-          </p:cNvPr>
+          <p:cNvPr id="2" name="Title 1"/>
           <p:cNvSpPr>
             <a:spLocks noGrp="1"/>
           </p:cNvSpPr>
@@ -1262,19 +1104,13 @@
               <a:rPr lang="en-US"/>
               <a:t>Click to edit Master title style</a:t>
             </a:r>
-            <a:endParaRPr lang="he-IL"/>
-          </a:p>
-        </p:txBody>
-      </p:sp>
-      <p:sp>
-        <p:nvSpPr>
-          <p:cNvPr id="3" name="Content Placeholder 2">
-            <a:extLst>
-              <a:ext uri="{FF2B5EF4-FFF2-40B4-BE49-F238E27FC236}">
-                <a16:creationId xmlns:a16="http://schemas.microsoft.com/office/drawing/2014/main" id="{B714A1CA-CA2E-4615-BA62-7125C1CD04B7}"/>
-              </a:ext>
-            </a:extLst>
-          </p:cNvPr>
+            <a:endParaRPr lang="en-US" dirty="0"/>
+          </a:p>
+        </p:txBody>
+      </p:sp>
+      <p:sp>
+        <p:nvSpPr>
+          <p:cNvPr id="3" name="Content Placeholder 2"/>
           <p:cNvSpPr>
             <a:spLocks noGrp="1"/>
           </p:cNvSpPr>
@@ -1284,8 +1120,8 @@
         </p:nvSpPr>
         <p:spPr>
           <a:xfrm>
-            <a:off x="838200" y="1825625"/>
-            <a:ext cx="5181600" cy="4351338"/>
+            <a:off x="471488" y="1825625"/>
+            <a:ext cx="2914650" cy="4351338"/>
           </a:xfrm>
         </p:spPr>
         <p:txBody>
@@ -1325,19 +1161,13 @@
               <a:rPr lang="en-US"/>
               <a:t>Fifth level</a:t>
             </a:r>
-            <a:endParaRPr lang="he-IL"/>
-          </a:p>
-        </p:txBody>
-      </p:sp>
-      <p:sp>
-        <p:nvSpPr>
-          <p:cNvPr id="4" name="Content Placeholder 3">
-            <a:extLst>
-              <a:ext uri="{FF2B5EF4-FFF2-40B4-BE49-F238E27FC236}">
-                <a16:creationId xmlns:a16="http://schemas.microsoft.com/office/drawing/2014/main" id="{7467A457-8609-4EB7-A8A8-09EA7FEE9999}"/>
-              </a:ext>
-            </a:extLst>
-          </p:cNvPr>
+            <a:endParaRPr lang="en-US" dirty="0"/>
+          </a:p>
+        </p:txBody>
+      </p:sp>
+      <p:sp>
+        <p:nvSpPr>
+          <p:cNvPr id="4" name="Content Placeholder 3"/>
           <p:cNvSpPr>
             <a:spLocks noGrp="1"/>
           </p:cNvSpPr>
@@ -1347,8 +1177,8 @@
         </p:nvSpPr>
         <p:spPr>
           <a:xfrm>
-            <a:off x="6172200" y="1825625"/>
-            <a:ext cx="5181600" cy="4351338"/>
+            <a:off x="3471863" y="1825625"/>
+            <a:ext cx="2914650" cy="4351338"/>
           </a:xfrm>
         </p:spPr>
         <p:txBody>
@@ -1388,19 +1218,13 @@
               <a:rPr lang="en-US"/>
               <a:t>Fifth level</a:t>
             </a:r>
-            <a:endParaRPr lang="he-IL"/>
-          </a:p>
-        </p:txBody>
-      </p:sp>
-      <p:sp>
-        <p:nvSpPr>
-          <p:cNvPr id="5" name="Date Placeholder 4">
-            <a:extLst>
-              <a:ext uri="{FF2B5EF4-FFF2-40B4-BE49-F238E27FC236}">
-                <a16:creationId xmlns:a16="http://schemas.microsoft.com/office/drawing/2014/main" id="{C77697DB-6DB0-4C7F-BDF9-F0A0EFF9B93E}"/>
-              </a:ext>
-            </a:extLst>
-          </p:cNvPr>
+            <a:endParaRPr lang="en-US" dirty="0"/>
+          </a:p>
+        </p:txBody>
+      </p:sp>
+      <p:sp>
+        <p:nvSpPr>
+          <p:cNvPr id="5" name="Date Placeholder 4"/>
           <p:cNvSpPr>
             <a:spLocks noGrp="1"/>
           </p:cNvSpPr>
@@ -1415,7 +1239,7 @@
           <a:p>
             <a:fld id="{24191A7E-2728-45C9-BF1A-3CA8E391AEBD}" type="datetimeFigureOut">
               <a:rPr lang="he-IL" smtClean="0"/>
-              <a:t>ט"ו/ניסן/תשפ"ב</a:t>
+              <a:t>י"ז/ניסן/תשפ"ב</a:t>
             </a:fld>
             <a:endParaRPr lang="he-IL"/>
           </a:p>
@@ -1423,13 +1247,7 @@
       </p:sp>
       <p:sp>
         <p:nvSpPr>
-          <p:cNvPr id="6" name="Footer Placeholder 5">
-            <a:extLst>
-              <a:ext uri="{FF2B5EF4-FFF2-40B4-BE49-F238E27FC236}">
-                <a16:creationId xmlns:a16="http://schemas.microsoft.com/office/drawing/2014/main" id="{07063CFC-5F6A-43BF-93E0-B374B9DAFC1C}"/>
-              </a:ext>
-            </a:extLst>
-          </p:cNvPr>
+          <p:cNvPr id="6" name="Footer Placeholder 5"/>
           <p:cNvSpPr>
             <a:spLocks noGrp="1"/>
           </p:cNvSpPr>
@@ -1448,13 +1266,7 @@
       </p:sp>
       <p:sp>
         <p:nvSpPr>
-          <p:cNvPr id="7" name="Slide Number Placeholder 6">
-            <a:extLst>
-              <a:ext uri="{FF2B5EF4-FFF2-40B4-BE49-F238E27FC236}">
-                <a16:creationId xmlns:a16="http://schemas.microsoft.com/office/drawing/2014/main" id="{001D4AE5-211F-4413-BF6A-C37B9EC516DB}"/>
-              </a:ext>
-            </a:extLst>
-          </p:cNvPr>
+          <p:cNvPr id="7" name="Slide Number Placeholder 6"/>
           <p:cNvSpPr>
             <a:spLocks noGrp="1"/>
           </p:cNvSpPr>
@@ -1478,7 +1290,7 @@
     </p:spTree>
     <p:extLst>
       <p:ext uri="{BB962C8B-B14F-4D97-AF65-F5344CB8AC3E}">
-        <p14:creationId xmlns:p14="http://schemas.microsoft.com/office/powerpoint/2010/main" val="3468001573"/>
+        <p14:creationId xmlns:p14="http://schemas.microsoft.com/office/powerpoint/2010/main" val="1139065516"/>
       </p:ext>
     </p:extLst>
   </p:cSld>
@@ -1507,13 +1319,7 @@
       </p:grpSpPr>
       <p:sp>
         <p:nvSpPr>
-          <p:cNvPr id="2" name="Title 1">
-            <a:extLst>
-              <a:ext uri="{FF2B5EF4-FFF2-40B4-BE49-F238E27FC236}">
-                <a16:creationId xmlns:a16="http://schemas.microsoft.com/office/drawing/2014/main" id="{159ABE4C-3136-44BE-8F0A-72CF77CE53BD}"/>
-              </a:ext>
-            </a:extLst>
-          </p:cNvPr>
+          <p:cNvPr id="2" name="Title 1"/>
           <p:cNvSpPr>
             <a:spLocks noGrp="1"/>
           </p:cNvSpPr>
@@ -1523,8 +1329,8 @@
         </p:nvSpPr>
         <p:spPr>
           <a:xfrm>
-            <a:off x="839788" y="365125"/>
-            <a:ext cx="10515600" cy="1325563"/>
+            <a:off x="472381" y="365127"/>
+            <a:ext cx="5915025" cy="1325563"/>
           </a:xfrm>
         </p:spPr>
         <p:txBody>
@@ -1535,19 +1341,13 @@
               <a:rPr lang="en-US"/>
               <a:t>Click to edit Master title style</a:t>
             </a:r>
-            <a:endParaRPr lang="he-IL"/>
-          </a:p>
-        </p:txBody>
-      </p:sp>
-      <p:sp>
-        <p:nvSpPr>
-          <p:cNvPr id="3" name="Text Placeholder 2">
-            <a:extLst>
-              <a:ext uri="{FF2B5EF4-FFF2-40B4-BE49-F238E27FC236}">
-                <a16:creationId xmlns:a16="http://schemas.microsoft.com/office/drawing/2014/main" id="{F7DC212B-582D-4CF0-AEDC-643C29DBF6A5}"/>
-              </a:ext>
-            </a:extLst>
-          </p:cNvPr>
+            <a:endParaRPr lang="en-US" dirty="0"/>
+          </a:p>
+        </p:txBody>
+      </p:sp>
+      <p:sp>
+        <p:nvSpPr>
+          <p:cNvPr id="3" name="Text Placeholder 2"/>
           <p:cNvSpPr>
             <a:spLocks noGrp="1"/>
           </p:cNvSpPr>
@@ -1557,8 +1357,8 @@
         </p:nvSpPr>
         <p:spPr>
           <a:xfrm>
-            <a:off x="839788" y="1681163"/>
-            <a:ext cx="5157787" cy="823912"/>
+            <a:off x="472381" y="1681163"/>
+            <a:ext cx="2901255" cy="823912"/>
           </a:xfrm>
         </p:spPr>
         <p:txBody>
@@ -1566,39 +1366,39 @@
           <a:lstStyle>
             <a:lvl1pPr marL="0" indent="0">
               <a:buNone/>
-              <a:defRPr sz="2400" b="1"/>
+              <a:defRPr sz="1800" b="1"/>
             </a:lvl1pPr>
-            <a:lvl2pPr marL="457200" indent="0">
-              <a:buNone/>
-              <a:defRPr sz="2000" b="1"/>
+            <a:lvl2pPr marL="342900" indent="0">
+              <a:buNone/>
+              <a:defRPr sz="1500" b="1"/>
             </a:lvl2pPr>
-            <a:lvl3pPr marL="914400" indent="0">
-              <a:buNone/>
-              <a:defRPr sz="1800" b="1"/>
+            <a:lvl3pPr marL="685800" indent="0">
+              <a:buNone/>
+              <a:defRPr sz="1350" b="1"/>
             </a:lvl3pPr>
-            <a:lvl4pPr marL="1371600" indent="0">
-              <a:buNone/>
-              <a:defRPr sz="1600" b="1"/>
+            <a:lvl4pPr marL="1028700" indent="0">
+              <a:buNone/>
+              <a:defRPr sz="1200" b="1"/>
             </a:lvl4pPr>
-            <a:lvl5pPr marL="1828800" indent="0">
-              <a:buNone/>
-              <a:defRPr sz="1600" b="1"/>
+            <a:lvl5pPr marL="1371600" indent="0">
+              <a:buNone/>
+              <a:defRPr sz="1200" b="1"/>
             </a:lvl5pPr>
-            <a:lvl6pPr marL="2286000" indent="0">
-              <a:buNone/>
-              <a:defRPr sz="1600" b="1"/>
+            <a:lvl6pPr marL="1714500" indent="0">
+              <a:buNone/>
+              <a:defRPr sz="1200" b="1"/>
             </a:lvl6pPr>
-            <a:lvl7pPr marL="2743200" indent="0">
-              <a:buNone/>
-              <a:defRPr sz="1600" b="1"/>
+            <a:lvl7pPr marL="2057400" indent="0">
+              <a:buNone/>
+              <a:defRPr sz="1200" b="1"/>
             </a:lvl7pPr>
-            <a:lvl8pPr marL="3200400" indent="0">
-              <a:buNone/>
-              <a:defRPr sz="1600" b="1"/>
+            <a:lvl8pPr marL="2400300" indent="0">
+              <a:buNone/>
+              <a:defRPr sz="1200" b="1"/>
             </a:lvl8pPr>
-            <a:lvl9pPr marL="3657600" indent="0">
-              <a:buNone/>
-              <a:defRPr sz="1600" b="1"/>
+            <a:lvl9pPr marL="2743200" indent="0">
+              <a:buNone/>
+              <a:defRPr sz="1200" b="1"/>
             </a:lvl9pPr>
           </a:lstStyle>
           <a:p>
@@ -1612,13 +1412,7 @@
       </p:sp>
       <p:sp>
         <p:nvSpPr>
-          <p:cNvPr id="4" name="Content Placeholder 3">
-            <a:extLst>
-              <a:ext uri="{FF2B5EF4-FFF2-40B4-BE49-F238E27FC236}">
-                <a16:creationId xmlns:a16="http://schemas.microsoft.com/office/drawing/2014/main" id="{107E7084-D102-40E1-B236-30CEB1AC2E03}"/>
-              </a:ext>
-            </a:extLst>
-          </p:cNvPr>
+          <p:cNvPr id="4" name="Content Placeholder 3"/>
           <p:cNvSpPr>
             <a:spLocks noGrp="1"/>
           </p:cNvSpPr>
@@ -1628,8 +1422,8 @@
         </p:nvSpPr>
         <p:spPr>
           <a:xfrm>
-            <a:off x="839788" y="2505075"/>
-            <a:ext cx="5157787" cy="3684588"/>
+            <a:off x="472381" y="2505075"/>
+            <a:ext cx="2901255" cy="3684588"/>
           </a:xfrm>
         </p:spPr>
         <p:txBody>
@@ -1669,19 +1463,13 @@
               <a:rPr lang="en-US"/>
               <a:t>Fifth level</a:t>
             </a:r>
-            <a:endParaRPr lang="he-IL"/>
-          </a:p>
-        </p:txBody>
-      </p:sp>
-      <p:sp>
-        <p:nvSpPr>
-          <p:cNvPr id="5" name="Text Placeholder 4">
-            <a:extLst>
-              <a:ext uri="{FF2B5EF4-FFF2-40B4-BE49-F238E27FC236}">
-                <a16:creationId xmlns:a16="http://schemas.microsoft.com/office/drawing/2014/main" id="{A40C950A-E370-4DF8-BF3F-DFF691CA4CC3}"/>
-              </a:ext>
-            </a:extLst>
-          </p:cNvPr>
+            <a:endParaRPr lang="en-US" dirty="0"/>
+          </a:p>
+        </p:txBody>
+      </p:sp>
+      <p:sp>
+        <p:nvSpPr>
+          <p:cNvPr id="5" name="Text Placeholder 4"/>
           <p:cNvSpPr>
             <a:spLocks noGrp="1"/>
           </p:cNvSpPr>
@@ -1691,8 +1479,8 @@
         </p:nvSpPr>
         <p:spPr>
           <a:xfrm>
-            <a:off x="6172200" y="1681163"/>
-            <a:ext cx="5183188" cy="823912"/>
+            <a:off x="3471863" y="1681163"/>
+            <a:ext cx="2915543" cy="823912"/>
           </a:xfrm>
         </p:spPr>
         <p:txBody>
@@ -1700,39 +1488,39 @@
           <a:lstStyle>
             <a:lvl1pPr marL="0" indent="0">
               <a:buNone/>
-              <a:defRPr sz="2400" b="1"/>
+              <a:defRPr sz="1800" b="1"/>
             </a:lvl1pPr>
-            <a:lvl2pPr marL="457200" indent="0">
-              <a:buNone/>
-              <a:defRPr sz="2000" b="1"/>
+            <a:lvl2pPr marL="342900" indent="0">
+              <a:buNone/>
+              <a:defRPr sz="1500" b="1"/>
             </a:lvl2pPr>
-            <a:lvl3pPr marL="914400" indent="0">
-              <a:buNone/>
-              <a:defRPr sz="1800" b="1"/>
+            <a:lvl3pPr marL="685800" indent="0">
+              <a:buNone/>
+              <a:defRPr sz="1350" b="1"/>
             </a:lvl3pPr>
-            <a:lvl4pPr marL="1371600" indent="0">
-              <a:buNone/>
-              <a:defRPr sz="1600" b="1"/>
+            <a:lvl4pPr marL="1028700" indent="0">
+              <a:buNone/>
+              <a:defRPr sz="1200" b="1"/>
             </a:lvl4pPr>
-            <a:lvl5pPr marL="1828800" indent="0">
-              <a:buNone/>
-              <a:defRPr sz="1600" b="1"/>
+            <a:lvl5pPr marL="1371600" indent="0">
+              <a:buNone/>
+              <a:defRPr sz="1200" b="1"/>
             </a:lvl5pPr>
-            <a:lvl6pPr marL="2286000" indent="0">
-              <a:buNone/>
-              <a:defRPr sz="1600" b="1"/>
+            <a:lvl6pPr marL="1714500" indent="0">
+              <a:buNone/>
+              <a:defRPr sz="1200" b="1"/>
             </a:lvl6pPr>
-            <a:lvl7pPr marL="2743200" indent="0">
-              <a:buNone/>
-              <a:defRPr sz="1600" b="1"/>
+            <a:lvl7pPr marL="2057400" indent="0">
+              <a:buNone/>
+              <a:defRPr sz="1200" b="1"/>
             </a:lvl7pPr>
-            <a:lvl8pPr marL="3200400" indent="0">
-              <a:buNone/>
-              <a:defRPr sz="1600" b="1"/>
+            <a:lvl8pPr marL="2400300" indent="0">
+              <a:buNone/>
+              <a:defRPr sz="1200" b="1"/>
             </a:lvl8pPr>
-            <a:lvl9pPr marL="3657600" indent="0">
-              <a:buNone/>
-              <a:defRPr sz="1600" b="1"/>
+            <a:lvl9pPr marL="2743200" indent="0">
+              <a:buNone/>
+              <a:defRPr sz="1200" b="1"/>
             </a:lvl9pPr>
           </a:lstStyle>
           <a:p>
@@ -1746,13 +1534,7 @@
       </p:sp>
       <p:sp>
         <p:nvSpPr>
-          <p:cNvPr id="6" name="Content Placeholder 5">
-            <a:extLst>
-              <a:ext uri="{FF2B5EF4-FFF2-40B4-BE49-F238E27FC236}">
-                <a16:creationId xmlns:a16="http://schemas.microsoft.com/office/drawing/2014/main" id="{50A22B3A-9BDB-4565-B050-21A8D0641C4D}"/>
-              </a:ext>
-            </a:extLst>
-          </p:cNvPr>
+          <p:cNvPr id="6" name="Content Placeholder 5"/>
           <p:cNvSpPr>
             <a:spLocks noGrp="1"/>
           </p:cNvSpPr>
@@ -1762,8 +1544,8 @@
         </p:nvSpPr>
         <p:spPr>
           <a:xfrm>
-            <a:off x="6172200" y="2505075"/>
-            <a:ext cx="5183188" cy="3684588"/>
+            <a:off x="3471863" y="2505075"/>
+            <a:ext cx="2915543" cy="3684588"/>
           </a:xfrm>
         </p:spPr>
         <p:txBody>
@@ -1803,19 +1585,13 @@
               <a:rPr lang="en-US"/>
               <a:t>Fifth level</a:t>
             </a:r>
-            <a:endParaRPr lang="he-IL"/>
-          </a:p>
-        </p:txBody>
-      </p:sp>
-      <p:sp>
-        <p:nvSpPr>
-          <p:cNvPr id="7" name="Date Placeholder 6">
-            <a:extLst>
-              <a:ext uri="{FF2B5EF4-FFF2-40B4-BE49-F238E27FC236}">
-                <a16:creationId xmlns:a16="http://schemas.microsoft.com/office/drawing/2014/main" id="{0AF4E22F-5CFA-4BBF-BDE3-C6E2B46BC209}"/>
-              </a:ext>
-            </a:extLst>
-          </p:cNvPr>
+            <a:endParaRPr lang="en-US" dirty="0"/>
+          </a:p>
+        </p:txBody>
+      </p:sp>
+      <p:sp>
+        <p:nvSpPr>
+          <p:cNvPr id="7" name="Date Placeholder 6"/>
           <p:cNvSpPr>
             <a:spLocks noGrp="1"/>
           </p:cNvSpPr>
@@ -1830,7 +1606,7 @@
           <a:p>
             <a:fld id="{24191A7E-2728-45C9-BF1A-3CA8E391AEBD}" type="datetimeFigureOut">
               <a:rPr lang="he-IL" smtClean="0"/>
-              <a:t>ט"ו/ניסן/תשפ"ב</a:t>
+              <a:t>י"ז/ניסן/תשפ"ב</a:t>
             </a:fld>
             <a:endParaRPr lang="he-IL"/>
           </a:p>
@@ -1838,13 +1614,7 @@
       </p:sp>
       <p:sp>
         <p:nvSpPr>
-          <p:cNvPr id="8" name="Footer Placeholder 7">
-            <a:extLst>
-              <a:ext uri="{FF2B5EF4-FFF2-40B4-BE49-F238E27FC236}">
-                <a16:creationId xmlns:a16="http://schemas.microsoft.com/office/drawing/2014/main" id="{96979C76-FB33-44B9-97CE-2DAEF011450B}"/>
-              </a:ext>
-            </a:extLst>
-          </p:cNvPr>
+          <p:cNvPr id="8" name="Footer Placeholder 7"/>
           <p:cNvSpPr>
             <a:spLocks noGrp="1"/>
           </p:cNvSpPr>
@@ -1863,13 +1633,7 @@
       </p:sp>
       <p:sp>
         <p:nvSpPr>
-          <p:cNvPr id="9" name="Slide Number Placeholder 8">
-            <a:extLst>
-              <a:ext uri="{FF2B5EF4-FFF2-40B4-BE49-F238E27FC236}">
-                <a16:creationId xmlns:a16="http://schemas.microsoft.com/office/drawing/2014/main" id="{4E469DFD-7082-47DF-B3C0-BCE8933186CB}"/>
-              </a:ext>
-            </a:extLst>
-          </p:cNvPr>
+          <p:cNvPr id="9" name="Slide Number Placeholder 8"/>
           <p:cNvSpPr>
             <a:spLocks noGrp="1"/>
           </p:cNvSpPr>
@@ -1893,7 +1657,7 @@
     </p:spTree>
     <p:extLst>
       <p:ext uri="{BB962C8B-B14F-4D97-AF65-F5344CB8AC3E}">
-        <p14:creationId xmlns:p14="http://schemas.microsoft.com/office/powerpoint/2010/main" val="3780081584"/>
+        <p14:creationId xmlns:p14="http://schemas.microsoft.com/office/powerpoint/2010/main" val="3308993924"/>
       </p:ext>
     </p:extLst>
   </p:cSld>
@@ -1922,13 +1686,7 @@
       </p:grpSpPr>
       <p:sp>
         <p:nvSpPr>
-          <p:cNvPr id="2" name="Title 1">
-            <a:extLst>
-              <a:ext uri="{FF2B5EF4-FFF2-40B4-BE49-F238E27FC236}">
-                <a16:creationId xmlns:a16="http://schemas.microsoft.com/office/drawing/2014/main" id="{10388885-5B57-416F-A496-DA47B25D05AE}"/>
-              </a:ext>
-            </a:extLst>
-          </p:cNvPr>
+          <p:cNvPr id="2" name="Title 1"/>
           <p:cNvSpPr>
             <a:spLocks noGrp="1"/>
           </p:cNvSpPr>
@@ -1945,19 +1703,13 @@
               <a:rPr lang="en-US"/>
               <a:t>Click to edit Master title style</a:t>
             </a:r>
-            <a:endParaRPr lang="he-IL"/>
-          </a:p>
-        </p:txBody>
-      </p:sp>
-      <p:sp>
-        <p:nvSpPr>
-          <p:cNvPr id="3" name="Date Placeholder 2">
-            <a:extLst>
-              <a:ext uri="{FF2B5EF4-FFF2-40B4-BE49-F238E27FC236}">
-                <a16:creationId xmlns:a16="http://schemas.microsoft.com/office/drawing/2014/main" id="{E808B751-92B2-4146-9F09-CE1A9194CECE}"/>
-              </a:ext>
-            </a:extLst>
-          </p:cNvPr>
+            <a:endParaRPr lang="en-US" dirty="0"/>
+          </a:p>
+        </p:txBody>
+      </p:sp>
+      <p:sp>
+        <p:nvSpPr>
+          <p:cNvPr id="3" name="Date Placeholder 2"/>
           <p:cNvSpPr>
             <a:spLocks noGrp="1"/>
           </p:cNvSpPr>
@@ -1972,7 +1724,7 @@
           <a:p>
             <a:fld id="{24191A7E-2728-45C9-BF1A-3CA8E391AEBD}" type="datetimeFigureOut">
               <a:rPr lang="he-IL" smtClean="0"/>
-              <a:t>ט"ו/ניסן/תשפ"ב</a:t>
+              <a:t>י"ז/ניסן/תשפ"ב</a:t>
             </a:fld>
             <a:endParaRPr lang="he-IL"/>
           </a:p>
@@ -1980,13 +1732,7 @@
       </p:sp>
       <p:sp>
         <p:nvSpPr>
-          <p:cNvPr id="4" name="Footer Placeholder 3">
-            <a:extLst>
-              <a:ext uri="{FF2B5EF4-FFF2-40B4-BE49-F238E27FC236}">
-                <a16:creationId xmlns:a16="http://schemas.microsoft.com/office/drawing/2014/main" id="{49BCADBF-13DF-4BA2-B4FA-7BA1DC32A508}"/>
-              </a:ext>
-            </a:extLst>
-          </p:cNvPr>
+          <p:cNvPr id="4" name="Footer Placeholder 3"/>
           <p:cNvSpPr>
             <a:spLocks noGrp="1"/>
           </p:cNvSpPr>
@@ -2005,13 +1751,7 @@
       </p:sp>
       <p:sp>
         <p:nvSpPr>
-          <p:cNvPr id="5" name="Slide Number Placeholder 4">
-            <a:extLst>
-              <a:ext uri="{FF2B5EF4-FFF2-40B4-BE49-F238E27FC236}">
-                <a16:creationId xmlns:a16="http://schemas.microsoft.com/office/drawing/2014/main" id="{1C7DF136-45A4-403C-88E7-E918A07F58FD}"/>
-              </a:ext>
-            </a:extLst>
-          </p:cNvPr>
+          <p:cNvPr id="5" name="Slide Number Placeholder 4"/>
           <p:cNvSpPr>
             <a:spLocks noGrp="1"/>
           </p:cNvSpPr>
@@ -2035,7 +1775,7 @@
     </p:spTree>
     <p:extLst>
       <p:ext uri="{BB962C8B-B14F-4D97-AF65-F5344CB8AC3E}">
-        <p14:creationId xmlns:p14="http://schemas.microsoft.com/office/powerpoint/2010/main" val="334550726"/>
+        <p14:creationId xmlns:p14="http://schemas.microsoft.com/office/powerpoint/2010/main" val="1576349475"/>
       </p:ext>
     </p:extLst>
   </p:cSld>
@@ -2064,13 +1804,7 @@
       </p:grpSpPr>
       <p:sp>
         <p:nvSpPr>
-          <p:cNvPr id="2" name="Date Placeholder 1">
-            <a:extLst>
-              <a:ext uri="{FF2B5EF4-FFF2-40B4-BE49-F238E27FC236}">
-                <a16:creationId xmlns:a16="http://schemas.microsoft.com/office/drawing/2014/main" id="{8185294A-E843-400E-BBC4-418F5934F673}"/>
-              </a:ext>
-            </a:extLst>
-          </p:cNvPr>
+          <p:cNvPr id="2" name="Date Placeholder 1"/>
           <p:cNvSpPr>
             <a:spLocks noGrp="1"/>
           </p:cNvSpPr>
@@ -2085,7 +1819,7 @@
           <a:p>
             <a:fld id="{24191A7E-2728-45C9-BF1A-3CA8E391AEBD}" type="datetimeFigureOut">
               <a:rPr lang="he-IL" smtClean="0"/>
-              <a:t>ט"ו/ניסן/תשפ"ב</a:t>
+              <a:t>י"ז/ניסן/תשפ"ב</a:t>
             </a:fld>
             <a:endParaRPr lang="he-IL"/>
           </a:p>
@@ -2093,13 +1827,7 @@
       </p:sp>
       <p:sp>
         <p:nvSpPr>
-          <p:cNvPr id="3" name="Footer Placeholder 2">
-            <a:extLst>
-              <a:ext uri="{FF2B5EF4-FFF2-40B4-BE49-F238E27FC236}">
-                <a16:creationId xmlns:a16="http://schemas.microsoft.com/office/drawing/2014/main" id="{23E2934A-D043-46D6-899C-FEB517A405D4}"/>
-              </a:ext>
-            </a:extLst>
-          </p:cNvPr>
+          <p:cNvPr id="3" name="Footer Placeholder 2"/>
           <p:cNvSpPr>
             <a:spLocks noGrp="1"/>
           </p:cNvSpPr>
@@ -2118,13 +1846,7 @@
       </p:sp>
       <p:sp>
         <p:nvSpPr>
-          <p:cNvPr id="4" name="Slide Number Placeholder 3">
-            <a:extLst>
-              <a:ext uri="{FF2B5EF4-FFF2-40B4-BE49-F238E27FC236}">
-                <a16:creationId xmlns:a16="http://schemas.microsoft.com/office/drawing/2014/main" id="{57BCCF40-F96D-4726-BB53-42294E1C2AB9}"/>
-              </a:ext>
-            </a:extLst>
-          </p:cNvPr>
+          <p:cNvPr id="4" name="Slide Number Placeholder 3"/>
           <p:cNvSpPr>
             <a:spLocks noGrp="1"/>
           </p:cNvSpPr>
@@ -2148,7 +1870,7 @@
     </p:spTree>
     <p:extLst>
       <p:ext uri="{BB962C8B-B14F-4D97-AF65-F5344CB8AC3E}">
-        <p14:creationId xmlns:p14="http://schemas.microsoft.com/office/powerpoint/2010/main" val="404762995"/>
+        <p14:creationId xmlns:p14="http://schemas.microsoft.com/office/powerpoint/2010/main" val="3616080645"/>
       </p:ext>
     </p:extLst>
   </p:cSld>
@@ -2177,13 +1899,7 @@
       </p:grpSpPr>
       <p:sp>
         <p:nvSpPr>
-          <p:cNvPr id="2" name="Title 1">
-            <a:extLst>
-              <a:ext uri="{FF2B5EF4-FFF2-40B4-BE49-F238E27FC236}">
-                <a16:creationId xmlns:a16="http://schemas.microsoft.com/office/drawing/2014/main" id="{E836297C-B5EE-4D08-8889-2A54572FC268}"/>
-              </a:ext>
-            </a:extLst>
-          </p:cNvPr>
+          <p:cNvPr id="2" name="Title 1"/>
           <p:cNvSpPr>
             <a:spLocks noGrp="1"/>
           </p:cNvSpPr>
@@ -2193,15 +1909,15 @@
         </p:nvSpPr>
         <p:spPr>
           <a:xfrm>
-            <a:off x="839788" y="457200"/>
-            <a:ext cx="3932237" cy="1600200"/>
+            <a:off x="472381" y="457200"/>
+            <a:ext cx="2211884" cy="1600200"/>
           </a:xfrm>
         </p:spPr>
         <p:txBody>
           <a:bodyPr anchor="b"/>
           <a:lstStyle>
             <a:lvl1pPr>
-              <a:defRPr sz="3200"/>
+              <a:defRPr sz="2400"/>
             </a:lvl1pPr>
           </a:lstStyle>
           <a:p>
@@ -2209,19 +1925,13 @@
               <a:rPr lang="en-US"/>
               <a:t>Click to edit Master title style</a:t>
             </a:r>
-            <a:endParaRPr lang="he-IL"/>
-          </a:p>
-        </p:txBody>
-      </p:sp>
-      <p:sp>
-        <p:nvSpPr>
-          <p:cNvPr id="3" name="Content Placeholder 2">
-            <a:extLst>
-              <a:ext uri="{FF2B5EF4-FFF2-40B4-BE49-F238E27FC236}">
-                <a16:creationId xmlns:a16="http://schemas.microsoft.com/office/drawing/2014/main" id="{1D74A5B1-0656-46ED-B1CB-84AE0A98059C}"/>
-              </a:ext>
-            </a:extLst>
-          </p:cNvPr>
+            <a:endParaRPr lang="en-US" dirty="0"/>
+          </a:p>
+        </p:txBody>
+      </p:sp>
+      <p:sp>
+        <p:nvSpPr>
+          <p:cNvPr id="3" name="Content Placeholder 2"/>
           <p:cNvSpPr>
             <a:spLocks noGrp="1"/>
           </p:cNvSpPr>
@@ -2231,39 +1941,39 @@
         </p:nvSpPr>
         <p:spPr>
           <a:xfrm>
-            <a:off x="5183188" y="987425"/>
-            <a:ext cx="6172200" cy="4873625"/>
+            <a:off x="2915543" y="987427"/>
+            <a:ext cx="3471863" cy="4873625"/>
           </a:xfrm>
         </p:spPr>
         <p:txBody>
           <a:bodyPr/>
           <a:lstStyle>
             <a:lvl1pPr>
-              <a:defRPr sz="3200"/>
+              <a:defRPr sz="2400"/>
             </a:lvl1pPr>
             <a:lvl2pPr>
-              <a:defRPr sz="2800"/>
+              <a:defRPr sz="2100"/>
             </a:lvl2pPr>
             <a:lvl3pPr>
-              <a:defRPr sz="2400"/>
+              <a:defRPr sz="1800"/>
             </a:lvl3pPr>
             <a:lvl4pPr>
-              <a:defRPr sz="2000"/>
+              <a:defRPr sz="1500"/>
             </a:lvl4pPr>
             <a:lvl5pPr>
-              <a:defRPr sz="2000"/>
+              <a:defRPr sz="1500"/>
             </a:lvl5pPr>
             <a:lvl6pPr>
-              <a:defRPr sz="2000"/>
+              <a:defRPr sz="1500"/>
             </a:lvl6pPr>
             <a:lvl7pPr>
-              <a:defRPr sz="2000"/>
+              <a:defRPr sz="1500"/>
             </a:lvl7pPr>
             <a:lvl8pPr>
-              <a:defRPr sz="2000"/>
+              <a:defRPr sz="1500"/>
             </a:lvl8pPr>
             <a:lvl9pPr>
-              <a:defRPr sz="2000"/>
+              <a:defRPr sz="1500"/>
             </a:lvl9pPr>
           </a:lstStyle>
           <a:p>
@@ -2300,19 +2010,13 @@
               <a:rPr lang="en-US"/>
               <a:t>Fifth level</a:t>
             </a:r>
-            <a:endParaRPr lang="he-IL"/>
-          </a:p>
-        </p:txBody>
-      </p:sp>
-      <p:sp>
-        <p:nvSpPr>
-          <p:cNvPr id="4" name="Text Placeholder 3">
-            <a:extLst>
-              <a:ext uri="{FF2B5EF4-FFF2-40B4-BE49-F238E27FC236}">
-                <a16:creationId xmlns:a16="http://schemas.microsoft.com/office/drawing/2014/main" id="{523F6529-CA85-4BF9-9C8D-FE0A1CBC6B11}"/>
-              </a:ext>
-            </a:extLst>
-          </p:cNvPr>
+            <a:endParaRPr lang="en-US" dirty="0"/>
+          </a:p>
+        </p:txBody>
+      </p:sp>
+      <p:sp>
+        <p:nvSpPr>
+          <p:cNvPr id="4" name="Text Placeholder 3"/>
           <p:cNvSpPr>
             <a:spLocks noGrp="1"/>
           </p:cNvSpPr>
@@ -2322,8 +2026,8 @@
         </p:nvSpPr>
         <p:spPr>
           <a:xfrm>
-            <a:off x="839788" y="2057400"/>
-            <a:ext cx="3932237" cy="3811588"/>
+            <a:off x="472381" y="2057400"/>
+            <a:ext cx="2211884" cy="3811588"/>
           </a:xfrm>
         </p:spPr>
         <p:txBody>
@@ -2331,39 +2035,39 @@
           <a:lstStyle>
             <a:lvl1pPr marL="0" indent="0">
               <a:buNone/>
-              <a:defRPr sz="1600"/>
+              <a:defRPr sz="1200"/>
             </a:lvl1pPr>
-            <a:lvl2pPr marL="457200" indent="0">
-              <a:buNone/>
-              <a:defRPr sz="1400"/>
+            <a:lvl2pPr marL="342900" indent="0">
+              <a:buNone/>
+              <a:defRPr sz="1050"/>
             </a:lvl2pPr>
-            <a:lvl3pPr marL="914400" indent="0">
-              <a:buNone/>
-              <a:defRPr sz="1200"/>
+            <a:lvl3pPr marL="685800" indent="0">
+              <a:buNone/>
+              <a:defRPr sz="900"/>
             </a:lvl3pPr>
-            <a:lvl4pPr marL="1371600" indent="0">
-              <a:buNone/>
-              <a:defRPr sz="1000"/>
+            <a:lvl4pPr marL="1028700" indent="0">
+              <a:buNone/>
+              <a:defRPr sz="750"/>
             </a:lvl4pPr>
-            <a:lvl5pPr marL="1828800" indent="0">
-              <a:buNone/>
-              <a:defRPr sz="1000"/>
+            <a:lvl5pPr marL="1371600" indent="0">
+              <a:buNone/>
+              <a:defRPr sz="750"/>
             </a:lvl5pPr>
-            <a:lvl6pPr marL="2286000" indent="0">
-              <a:buNone/>
-              <a:defRPr sz="1000"/>
+            <a:lvl6pPr marL="1714500" indent="0">
+              <a:buNone/>
+              <a:defRPr sz="750"/>
             </a:lvl6pPr>
-            <a:lvl7pPr marL="2743200" indent="0">
-              <a:buNone/>
-              <a:defRPr sz="1000"/>
+            <a:lvl7pPr marL="2057400" indent="0">
+              <a:buNone/>
+              <a:defRPr sz="750"/>
             </a:lvl7pPr>
-            <a:lvl8pPr marL="3200400" indent="0">
-              <a:buNone/>
-              <a:defRPr sz="1000"/>
+            <a:lvl8pPr marL="2400300" indent="0">
+              <a:buNone/>
+              <a:defRPr sz="750"/>
             </a:lvl8pPr>
-            <a:lvl9pPr marL="3657600" indent="0">
-              <a:buNone/>
-              <a:defRPr sz="1000"/>
+            <a:lvl9pPr marL="2743200" indent="0">
+              <a:buNone/>
+              <a:defRPr sz="750"/>
             </a:lvl9pPr>
           </a:lstStyle>
           <a:p>
@@ -2377,13 +2081,7 @@
       </p:sp>
       <p:sp>
         <p:nvSpPr>
-          <p:cNvPr id="5" name="Date Placeholder 4">
-            <a:extLst>
-              <a:ext uri="{FF2B5EF4-FFF2-40B4-BE49-F238E27FC236}">
-                <a16:creationId xmlns:a16="http://schemas.microsoft.com/office/drawing/2014/main" id="{8A908E6F-F344-4F6F-AD0F-19F85DBD751B}"/>
-              </a:ext>
-            </a:extLst>
-          </p:cNvPr>
+          <p:cNvPr id="5" name="Date Placeholder 4"/>
           <p:cNvSpPr>
             <a:spLocks noGrp="1"/>
           </p:cNvSpPr>
@@ -2398,7 +2096,7 @@
           <a:p>
             <a:fld id="{24191A7E-2728-45C9-BF1A-3CA8E391AEBD}" type="datetimeFigureOut">
               <a:rPr lang="he-IL" smtClean="0"/>
-              <a:t>ט"ו/ניסן/תשפ"ב</a:t>
+              <a:t>י"ז/ניסן/תשפ"ב</a:t>
             </a:fld>
             <a:endParaRPr lang="he-IL"/>
           </a:p>
@@ -2406,13 +2104,7 @@
       </p:sp>
       <p:sp>
         <p:nvSpPr>
-          <p:cNvPr id="6" name="Footer Placeholder 5">
-            <a:extLst>
-              <a:ext uri="{FF2B5EF4-FFF2-40B4-BE49-F238E27FC236}">
-                <a16:creationId xmlns:a16="http://schemas.microsoft.com/office/drawing/2014/main" id="{3BAD0C43-2B00-4AE0-902F-DE70FFCF5EFC}"/>
-              </a:ext>
-            </a:extLst>
-          </p:cNvPr>
+          <p:cNvPr id="6" name="Footer Placeholder 5"/>
           <p:cNvSpPr>
             <a:spLocks noGrp="1"/>
           </p:cNvSpPr>
@@ -2431,13 +2123,7 @@
       </p:sp>
       <p:sp>
         <p:nvSpPr>
-          <p:cNvPr id="7" name="Slide Number Placeholder 6">
-            <a:extLst>
-              <a:ext uri="{FF2B5EF4-FFF2-40B4-BE49-F238E27FC236}">
-                <a16:creationId xmlns:a16="http://schemas.microsoft.com/office/drawing/2014/main" id="{B4BF5904-C96E-40D9-946F-56A94A4BC40B}"/>
-              </a:ext>
-            </a:extLst>
-          </p:cNvPr>
+          <p:cNvPr id="7" name="Slide Number Placeholder 6"/>
           <p:cNvSpPr>
             <a:spLocks noGrp="1"/>
           </p:cNvSpPr>
@@ -2461,7 +2147,7 @@
     </p:spTree>
     <p:extLst>
       <p:ext uri="{BB962C8B-B14F-4D97-AF65-F5344CB8AC3E}">
-        <p14:creationId xmlns:p14="http://schemas.microsoft.com/office/powerpoint/2010/main" val="201735525"/>
+        <p14:creationId xmlns:p14="http://schemas.microsoft.com/office/powerpoint/2010/main" val="4256740909"/>
       </p:ext>
     </p:extLst>
   </p:cSld>
@@ -2490,13 +2176,7 @@
       </p:grpSpPr>
       <p:sp>
         <p:nvSpPr>
-          <p:cNvPr id="2" name="Title 1">
-            <a:extLst>
-              <a:ext uri="{FF2B5EF4-FFF2-40B4-BE49-F238E27FC236}">
-                <a16:creationId xmlns:a16="http://schemas.microsoft.com/office/drawing/2014/main" id="{1E3AB89B-A631-4585-8468-4B6DB8C3D061}"/>
-              </a:ext>
-            </a:extLst>
-          </p:cNvPr>
+          <p:cNvPr id="2" name="Title 1"/>
           <p:cNvSpPr>
             <a:spLocks noGrp="1"/>
           </p:cNvSpPr>
@@ -2506,15 +2186,15 @@
         </p:nvSpPr>
         <p:spPr>
           <a:xfrm>
-            <a:off x="839788" y="457200"/>
-            <a:ext cx="3932237" cy="1600200"/>
+            <a:off x="472381" y="457200"/>
+            <a:ext cx="2211884" cy="1600200"/>
           </a:xfrm>
         </p:spPr>
         <p:txBody>
           <a:bodyPr anchor="b"/>
           <a:lstStyle>
             <a:lvl1pPr>
-              <a:defRPr sz="3200"/>
+              <a:defRPr sz="2400"/>
             </a:lvl1pPr>
           </a:lstStyle>
           <a:p>
@@ -2522,21 +2202,15 @@
               <a:rPr lang="en-US"/>
               <a:t>Click to edit Master title style</a:t>
             </a:r>
-            <a:endParaRPr lang="he-IL"/>
-          </a:p>
-        </p:txBody>
-      </p:sp>
-      <p:sp>
-        <p:nvSpPr>
-          <p:cNvPr id="3" name="Picture Placeholder 2">
-            <a:extLst>
-              <a:ext uri="{FF2B5EF4-FFF2-40B4-BE49-F238E27FC236}">
-                <a16:creationId xmlns:a16="http://schemas.microsoft.com/office/drawing/2014/main" id="{5243121D-3A59-4903-B745-EC60D293C5D7}"/>
-              </a:ext>
-            </a:extLst>
-          </p:cNvPr>
-          <p:cNvSpPr>
-            <a:spLocks noGrp="1"/>
+            <a:endParaRPr lang="en-US" dirty="0"/>
+          </a:p>
+        </p:txBody>
+      </p:sp>
+      <p:sp>
+        <p:nvSpPr>
+          <p:cNvPr id="3" name="Picture Placeholder 2"/>
+          <p:cNvSpPr>
+            <a:spLocks noGrp="1" noChangeAspect="1"/>
           </p:cNvSpPr>
           <p:nvPr>
             <p:ph type="pic" idx="1"/>
@@ -2544,64 +2218,62 @@
         </p:nvSpPr>
         <p:spPr>
           <a:xfrm>
-            <a:off x="5183188" y="987425"/>
-            <a:ext cx="6172200" cy="4873625"/>
+            <a:off x="2915543" y="987427"/>
+            <a:ext cx="3471863" cy="4873625"/>
           </a:xfrm>
         </p:spPr>
         <p:txBody>
-          <a:bodyPr/>
+          <a:bodyPr anchor="t"/>
           <a:lstStyle>
             <a:lvl1pPr marL="0" indent="0">
               <a:buNone/>
-              <a:defRPr sz="3200"/>
+              <a:defRPr sz="2400"/>
             </a:lvl1pPr>
-            <a:lvl2pPr marL="457200" indent="0">
-              <a:buNone/>
-              <a:defRPr sz="2800"/>
+            <a:lvl2pPr marL="342900" indent="0">
+              <a:buNone/>
+              <a:defRPr sz="2100"/>
             </a:lvl2pPr>
-            <a:lvl3pPr marL="914400" indent="0">
-              <a:buNone/>
-              <a:defRPr sz="2400"/>
+            <a:lvl3pPr marL="685800" indent="0">
+              <a:buNone/>
+              <a:defRPr sz="1800"/>
             </a:lvl3pPr>
-            <a:lvl4pPr marL="1371600" indent="0">
-              <a:buNone/>
-              <a:defRPr sz="2000"/>
+            <a:lvl4pPr marL="1028700" indent="0">
+              <a:buNone/>
+              <a:defRPr sz="1500"/>
             </a:lvl4pPr>
-            <a:lvl5pPr marL="1828800" indent="0">
-              <a:buNone/>
-              <a:defRPr sz="2000"/>
+            <a:lvl5pPr marL="1371600" indent="0">
+              <a:buNone/>
+              <a:defRPr sz="1500"/>
             </a:lvl5pPr>
-            <a:lvl6pPr marL="2286000" indent="0">
-              <a:buNone/>
-              <a:defRPr sz="2000"/>
+            <a:lvl6pPr marL="1714500" indent="0">
+              <a:buNone/>
+              <a:defRPr sz="1500"/>
             </a:lvl6pPr>
-            <a:lvl7pPr marL="2743200" indent="0">
-              <a:buNone/>
-              <a:defRPr sz="2000"/>
+            <a:lvl7pPr marL="2057400" indent="0">
+              <a:buNone/>
+              <a:defRPr sz="1500"/>
             </a:lvl7pPr>
-            <a:lvl8pPr marL="3200400" indent="0">
-              <a:buNone/>
-              <a:defRPr sz="2000"/>
+            <a:lvl8pPr marL="2400300" indent="0">
+              <a:buNone/>
+              <a:defRPr sz="1500"/>
             </a:lvl8pPr>
-            <a:lvl9pPr marL="3657600" indent="0">
-              <a:buNone/>
-              <a:defRPr sz="2000"/>
+            <a:lvl9pPr marL="2743200" indent="0">
+              <a:buNone/>
+              <a:defRPr sz="1500"/>
             </a:lvl9pPr>
           </a:lstStyle>
           <a:p>
-            <a:endParaRPr lang="he-IL"/>
-          </a:p>
-        </p:txBody>
-      </p:sp>
-      <p:sp>
-        <p:nvSpPr>
-          <p:cNvPr id="4" name="Text Placeholder 3">
-            <a:extLst>
-              <a:ext uri="{FF2B5EF4-FFF2-40B4-BE49-F238E27FC236}">
-                <a16:creationId xmlns:a16="http://schemas.microsoft.com/office/drawing/2014/main" id="{44676638-4178-4AA6-A153-43E296DB5F48}"/>
-              </a:ext>
-            </a:extLst>
-          </p:cNvPr>
+            <a:r>
+              <a:rPr lang="en-US"/>
+              <a:t>Click icon to add picture</a:t>
+            </a:r>
+            <a:endParaRPr lang="en-US" dirty="0"/>
+          </a:p>
+        </p:txBody>
+      </p:sp>
+      <p:sp>
+        <p:nvSpPr>
+          <p:cNvPr id="4" name="Text Placeholder 3"/>
           <p:cNvSpPr>
             <a:spLocks noGrp="1"/>
           </p:cNvSpPr>
@@ -2611,8 +2283,8 @@
         </p:nvSpPr>
         <p:spPr>
           <a:xfrm>
-            <a:off x="839788" y="2057400"/>
-            <a:ext cx="3932237" cy="3811588"/>
+            <a:off x="472381" y="2057400"/>
+            <a:ext cx="2211884" cy="3811588"/>
           </a:xfrm>
         </p:spPr>
         <p:txBody>
@@ -2620,39 +2292,39 @@
           <a:lstStyle>
             <a:lvl1pPr marL="0" indent="0">
               <a:buNone/>
-              <a:defRPr sz="1600"/>
+              <a:defRPr sz="1200"/>
             </a:lvl1pPr>
-            <a:lvl2pPr marL="457200" indent="0">
-              <a:buNone/>
-              <a:defRPr sz="1400"/>
+            <a:lvl2pPr marL="342900" indent="0">
+              <a:buNone/>
+              <a:defRPr sz="1050"/>
             </a:lvl2pPr>
-            <a:lvl3pPr marL="914400" indent="0">
-              <a:buNone/>
-              <a:defRPr sz="1200"/>
+            <a:lvl3pPr marL="685800" indent="0">
+              <a:buNone/>
+              <a:defRPr sz="900"/>
             </a:lvl3pPr>
-            <a:lvl4pPr marL="1371600" indent="0">
-              <a:buNone/>
-              <a:defRPr sz="1000"/>
+            <a:lvl4pPr marL="1028700" indent="0">
+              <a:buNone/>
+              <a:defRPr sz="750"/>
             </a:lvl4pPr>
-            <a:lvl5pPr marL="1828800" indent="0">
-              <a:buNone/>
-              <a:defRPr sz="1000"/>
+            <a:lvl5pPr marL="1371600" indent="0">
+              <a:buNone/>
+              <a:defRPr sz="750"/>
             </a:lvl5pPr>
-            <a:lvl6pPr marL="2286000" indent="0">
-              <a:buNone/>
-              <a:defRPr sz="1000"/>
+            <a:lvl6pPr marL="1714500" indent="0">
+              <a:buNone/>
+              <a:defRPr sz="750"/>
             </a:lvl6pPr>
-            <a:lvl7pPr marL="2743200" indent="0">
-              <a:buNone/>
-              <a:defRPr sz="1000"/>
+            <a:lvl7pPr marL="2057400" indent="0">
+              <a:buNone/>
+              <a:defRPr sz="750"/>
             </a:lvl7pPr>
-            <a:lvl8pPr marL="3200400" indent="0">
-              <a:buNone/>
-              <a:defRPr sz="1000"/>
+            <a:lvl8pPr marL="2400300" indent="0">
+              <a:buNone/>
+              <a:defRPr sz="750"/>
             </a:lvl8pPr>
-            <a:lvl9pPr marL="3657600" indent="0">
-              <a:buNone/>
-              <a:defRPr sz="1000"/>
+            <a:lvl9pPr marL="2743200" indent="0">
+              <a:buNone/>
+              <a:defRPr sz="750"/>
             </a:lvl9pPr>
           </a:lstStyle>
           <a:p>
@@ -2666,13 +2338,7 @@
       </p:sp>
       <p:sp>
         <p:nvSpPr>
-          <p:cNvPr id="5" name="Date Placeholder 4">
-            <a:extLst>
-              <a:ext uri="{FF2B5EF4-FFF2-40B4-BE49-F238E27FC236}">
-                <a16:creationId xmlns:a16="http://schemas.microsoft.com/office/drawing/2014/main" id="{46445964-DBCB-4C5B-9983-4627E2395109}"/>
-              </a:ext>
-            </a:extLst>
-          </p:cNvPr>
+          <p:cNvPr id="5" name="Date Placeholder 4"/>
           <p:cNvSpPr>
             <a:spLocks noGrp="1"/>
           </p:cNvSpPr>
@@ -2687,7 +2353,7 @@
           <a:p>
             <a:fld id="{24191A7E-2728-45C9-BF1A-3CA8E391AEBD}" type="datetimeFigureOut">
               <a:rPr lang="he-IL" smtClean="0"/>
-              <a:t>ט"ו/ניסן/תשפ"ב</a:t>
+              <a:t>י"ז/ניסן/תשפ"ב</a:t>
             </a:fld>
             <a:endParaRPr lang="he-IL"/>
           </a:p>
@@ -2695,13 +2361,7 @@
       </p:sp>
       <p:sp>
         <p:nvSpPr>
-          <p:cNvPr id="6" name="Footer Placeholder 5">
-            <a:extLst>
-              <a:ext uri="{FF2B5EF4-FFF2-40B4-BE49-F238E27FC236}">
-                <a16:creationId xmlns:a16="http://schemas.microsoft.com/office/drawing/2014/main" id="{CD4B55F8-5624-44F4-A3D7-1E8E333451B8}"/>
-              </a:ext>
-            </a:extLst>
-          </p:cNvPr>
+          <p:cNvPr id="6" name="Footer Placeholder 5"/>
           <p:cNvSpPr>
             <a:spLocks noGrp="1"/>
           </p:cNvSpPr>
@@ -2720,13 +2380,7 @@
       </p:sp>
       <p:sp>
         <p:nvSpPr>
-          <p:cNvPr id="7" name="Slide Number Placeholder 6">
-            <a:extLst>
-              <a:ext uri="{FF2B5EF4-FFF2-40B4-BE49-F238E27FC236}">
-                <a16:creationId xmlns:a16="http://schemas.microsoft.com/office/drawing/2014/main" id="{A61E9279-8F42-4F78-ACB2-E630FC7C2CFF}"/>
-              </a:ext>
-            </a:extLst>
-          </p:cNvPr>
+          <p:cNvPr id="7" name="Slide Number Placeholder 6"/>
           <p:cNvSpPr>
             <a:spLocks noGrp="1"/>
           </p:cNvSpPr>
@@ -2750,7 +2404,7 @@
     </p:spTree>
     <p:extLst>
       <p:ext uri="{BB962C8B-B14F-4D97-AF65-F5344CB8AC3E}">
-        <p14:creationId xmlns:p14="http://schemas.microsoft.com/office/powerpoint/2010/main" val="2239500234"/>
+        <p14:creationId xmlns:p14="http://schemas.microsoft.com/office/powerpoint/2010/main" val="993619462"/>
       </p:ext>
     </p:extLst>
   </p:cSld>
@@ -2784,13 +2438,7 @@
       </p:grpSpPr>
       <p:sp>
         <p:nvSpPr>
-          <p:cNvPr id="2" name="Title Placeholder 1">
-            <a:extLst>
-              <a:ext uri="{FF2B5EF4-FFF2-40B4-BE49-F238E27FC236}">
-                <a16:creationId xmlns:a16="http://schemas.microsoft.com/office/drawing/2014/main" id="{CD0C4AC6-D6EF-4F44-BA2C-953BEE1A5D73}"/>
-              </a:ext>
-            </a:extLst>
-          </p:cNvPr>
+          <p:cNvPr id="2" name="Title Placeholder 1"/>
           <p:cNvSpPr>
             <a:spLocks noGrp="1"/>
           </p:cNvSpPr>
@@ -2800,8 +2448,8 @@
         </p:nvSpPr>
         <p:spPr>
           <a:xfrm>
-            <a:off x="838200" y="365125"/>
-            <a:ext cx="10515600" cy="1325563"/>
+            <a:off x="471488" y="365127"/>
+            <a:ext cx="5915025" cy="1325563"/>
           </a:xfrm>
           <a:prstGeom prst="rect">
             <a:avLst/>
@@ -2817,19 +2465,13 @@
               <a:rPr lang="en-US"/>
               <a:t>Click to edit Master title style</a:t>
             </a:r>
-            <a:endParaRPr lang="he-IL"/>
-          </a:p>
-        </p:txBody>
-      </p:sp>
-      <p:sp>
-        <p:nvSpPr>
-          <p:cNvPr id="3" name="Text Placeholder 2">
-            <a:extLst>
-              <a:ext uri="{FF2B5EF4-FFF2-40B4-BE49-F238E27FC236}">
-                <a16:creationId xmlns:a16="http://schemas.microsoft.com/office/drawing/2014/main" id="{6040AF17-3748-4D40-B5BB-66B156BCE9ED}"/>
-              </a:ext>
-            </a:extLst>
-          </p:cNvPr>
+            <a:endParaRPr lang="en-US" dirty="0"/>
+          </a:p>
+        </p:txBody>
+      </p:sp>
+      <p:sp>
+        <p:nvSpPr>
+          <p:cNvPr id="3" name="Text Placeholder 2"/>
           <p:cNvSpPr>
             <a:spLocks noGrp="1"/>
           </p:cNvSpPr>
@@ -2839,8 +2481,8 @@
         </p:nvSpPr>
         <p:spPr>
           <a:xfrm>
-            <a:off x="838200" y="1825625"/>
-            <a:ext cx="10515600" cy="4351338"/>
+            <a:off x="471488" y="1825625"/>
+            <a:ext cx="5915025" cy="4351338"/>
           </a:xfrm>
           <a:prstGeom prst="rect">
             <a:avLst/>
@@ -2885,19 +2527,13 @@
               <a:rPr lang="en-US"/>
               <a:t>Fifth level</a:t>
             </a:r>
-            <a:endParaRPr lang="he-IL"/>
-          </a:p>
-        </p:txBody>
-      </p:sp>
-      <p:sp>
-        <p:nvSpPr>
-          <p:cNvPr id="4" name="Date Placeholder 3">
-            <a:extLst>
-              <a:ext uri="{FF2B5EF4-FFF2-40B4-BE49-F238E27FC236}">
-                <a16:creationId xmlns:a16="http://schemas.microsoft.com/office/drawing/2014/main" id="{201F1037-817D-41AB-96BB-8DFD65AE0BF8}"/>
-              </a:ext>
-            </a:extLst>
-          </p:cNvPr>
+            <a:endParaRPr lang="en-US" dirty="0"/>
+          </a:p>
+        </p:txBody>
+      </p:sp>
+      <p:sp>
+        <p:nvSpPr>
+          <p:cNvPr id="4" name="Date Placeholder 3"/>
           <p:cNvSpPr>
             <a:spLocks noGrp="1"/>
           </p:cNvSpPr>
@@ -2907,8 +2543,8 @@
         </p:nvSpPr>
         <p:spPr>
           <a:xfrm>
-            <a:off x="838200" y="6356350"/>
-            <a:ext cx="2743200" cy="365125"/>
+            <a:off x="471488" y="6356352"/>
+            <a:ext cx="1543050" cy="365125"/>
           </a:xfrm>
           <a:prstGeom prst="rect">
             <a:avLst/>
@@ -2917,8 +2553,8 @@
         <p:txBody>
           <a:bodyPr vert="horz" lIns="91440" tIns="45720" rIns="91440" bIns="45720" rtlCol="0" anchor="ctr"/>
           <a:lstStyle>
-            <a:lvl1pPr algn="r">
-              <a:defRPr sz="1200">
+            <a:lvl1pPr algn="l">
+              <a:defRPr sz="900">
                 <a:solidFill>
                   <a:schemeClr val="tx1">
                     <a:tint val="75000"/>
@@ -2930,7 +2566,7 @@
           <a:p>
             <a:fld id="{24191A7E-2728-45C9-BF1A-3CA8E391AEBD}" type="datetimeFigureOut">
               <a:rPr lang="he-IL" smtClean="0"/>
-              <a:t>ט"ו/ניסן/תשפ"ב</a:t>
+              <a:t>י"ז/ניסן/תשפ"ב</a:t>
             </a:fld>
             <a:endParaRPr lang="he-IL"/>
           </a:p>
@@ -2938,13 +2574,7 @@
       </p:sp>
       <p:sp>
         <p:nvSpPr>
-          <p:cNvPr id="5" name="Footer Placeholder 4">
-            <a:extLst>
-              <a:ext uri="{FF2B5EF4-FFF2-40B4-BE49-F238E27FC236}">
-                <a16:creationId xmlns:a16="http://schemas.microsoft.com/office/drawing/2014/main" id="{FEA73B93-170E-4B47-AD93-7D424E680442}"/>
-              </a:ext>
-            </a:extLst>
-          </p:cNvPr>
+          <p:cNvPr id="5" name="Footer Placeholder 4"/>
           <p:cNvSpPr>
             <a:spLocks noGrp="1"/>
           </p:cNvSpPr>
@@ -2954,8 +2584,8 @@
         </p:nvSpPr>
         <p:spPr>
           <a:xfrm>
-            <a:off x="4038600" y="6356350"/>
-            <a:ext cx="4114800" cy="365125"/>
+            <a:off x="2271713" y="6356352"/>
+            <a:ext cx="2314575" cy="365125"/>
           </a:xfrm>
           <a:prstGeom prst="rect">
             <a:avLst/>
@@ -2965,7 +2595,7 @@
           <a:bodyPr vert="horz" lIns="91440" tIns="45720" rIns="91440" bIns="45720" rtlCol="0" anchor="ctr"/>
           <a:lstStyle>
             <a:lvl1pPr algn="ctr">
-              <a:defRPr sz="1200">
+              <a:defRPr sz="900">
                 <a:solidFill>
                   <a:schemeClr val="tx1">
                     <a:tint val="75000"/>
@@ -2981,13 +2611,7 @@
       </p:sp>
       <p:sp>
         <p:nvSpPr>
-          <p:cNvPr id="6" name="Slide Number Placeholder 5">
-            <a:extLst>
-              <a:ext uri="{FF2B5EF4-FFF2-40B4-BE49-F238E27FC236}">
-                <a16:creationId xmlns:a16="http://schemas.microsoft.com/office/drawing/2014/main" id="{FD4764BC-FA20-4E66-AB46-42B4F572990C}"/>
-              </a:ext>
-            </a:extLst>
-          </p:cNvPr>
+          <p:cNvPr id="6" name="Slide Number Placeholder 5"/>
           <p:cNvSpPr>
             <a:spLocks noGrp="1"/>
           </p:cNvSpPr>
@@ -2997,8 +2621,8 @@
         </p:nvSpPr>
         <p:spPr>
           <a:xfrm>
-            <a:off x="8610600" y="6356350"/>
-            <a:ext cx="2743200" cy="365125"/>
+            <a:off x="4843463" y="6356352"/>
+            <a:ext cx="1543050" cy="365125"/>
           </a:xfrm>
           <a:prstGeom prst="rect">
             <a:avLst/>
@@ -3007,8 +2631,8 @@
         <p:txBody>
           <a:bodyPr vert="horz" lIns="91440" tIns="45720" rIns="91440" bIns="45720" rtlCol="0" anchor="ctr"/>
           <a:lstStyle>
-            <a:lvl1pPr algn="l">
-              <a:defRPr sz="1200">
+            <a:lvl1pPr algn="r">
+              <a:defRPr sz="900">
                 <a:solidFill>
                   <a:schemeClr val="tx1">
                     <a:tint val="75000"/>
@@ -3029,27 +2653,27 @@
     </p:spTree>
     <p:extLst>
       <p:ext uri="{BB962C8B-B14F-4D97-AF65-F5344CB8AC3E}">
-        <p14:creationId xmlns:p14="http://schemas.microsoft.com/office/powerpoint/2010/main" val="2002709520"/>
+        <p14:creationId xmlns:p14="http://schemas.microsoft.com/office/powerpoint/2010/main" val="3391241670"/>
       </p:ext>
     </p:extLst>
   </p:cSld>
   <p:clrMap bg1="lt1" tx1="dk1" bg2="lt2" tx2="dk2" accent1="accent1" accent2="accent2" accent3="accent3" accent4="accent4" accent5="accent5" accent6="accent6" hlink="hlink" folHlink="folHlink"/>
   <p:sldLayoutIdLst>
-    <p:sldLayoutId id="2147483649" r:id="rId1"/>
-    <p:sldLayoutId id="2147483650" r:id="rId2"/>
-    <p:sldLayoutId id="2147483651" r:id="rId3"/>
-    <p:sldLayoutId id="2147483652" r:id="rId4"/>
-    <p:sldLayoutId id="2147483653" r:id="rId5"/>
-    <p:sldLayoutId id="2147483654" r:id="rId6"/>
-    <p:sldLayoutId id="2147483655" r:id="rId7"/>
-    <p:sldLayoutId id="2147483656" r:id="rId8"/>
-    <p:sldLayoutId id="2147483657" r:id="rId9"/>
-    <p:sldLayoutId id="2147483658" r:id="rId10"/>
-    <p:sldLayoutId id="2147483659" r:id="rId11"/>
+    <p:sldLayoutId id="2147483661" r:id="rId1"/>
+    <p:sldLayoutId id="2147483662" r:id="rId2"/>
+    <p:sldLayoutId id="2147483663" r:id="rId3"/>
+    <p:sldLayoutId id="2147483664" r:id="rId4"/>
+    <p:sldLayoutId id="2147483665" r:id="rId5"/>
+    <p:sldLayoutId id="2147483666" r:id="rId6"/>
+    <p:sldLayoutId id="2147483667" r:id="rId7"/>
+    <p:sldLayoutId id="2147483668" r:id="rId8"/>
+    <p:sldLayoutId id="2147483669" r:id="rId9"/>
+    <p:sldLayoutId id="2147483670" r:id="rId10"/>
+    <p:sldLayoutId id="2147483671" r:id="rId11"/>
   </p:sldLayoutIdLst>
   <p:txStyles>
     <p:titleStyle>
-      <a:lvl1pPr algn="l" defTabSz="914400" rtl="0" eaLnBrk="1" latinLnBrk="0" hangingPunct="1">
+      <a:lvl1pPr algn="l" defTabSz="685800" rtl="1" eaLnBrk="1" latinLnBrk="0" hangingPunct="1">
         <a:lnSpc>
           <a:spcPct val="90000"/>
         </a:lnSpc>
@@ -3057,7 +2681,7 @@
           <a:spcPct val="0"/>
         </a:spcBef>
         <a:buNone/>
-        <a:defRPr sz="4400" kern="1200">
+        <a:defRPr sz="3300" kern="1200">
           <a:solidFill>
             <a:schemeClr val="tx1"/>
           </a:solidFill>
@@ -3068,16 +2692,16 @@
       </a:lvl1pPr>
     </p:titleStyle>
     <p:bodyStyle>
-      <a:lvl1pPr marL="228600" indent="-228600" algn="l" defTabSz="914400" rtl="0" eaLnBrk="1" latinLnBrk="0" hangingPunct="1">
+      <a:lvl1pPr marL="171450" indent="-171450" algn="r" defTabSz="685800" rtl="1" eaLnBrk="1" latinLnBrk="0" hangingPunct="1">
         <a:lnSpc>
           <a:spcPct val="90000"/>
         </a:lnSpc>
         <a:spcBef>
-          <a:spcPts val="1000"/>
+          <a:spcPts val="750"/>
         </a:spcBef>
         <a:buFont typeface="Arial" panose="020B0604020202020204" pitchFamily="34" charset="0"/>
         <a:buChar char="•"/>
-        <a:defRPr sz="2800" kern="1200">
+        <a:defRPr sz="2100" kern="1200">
           <a:solidFill>
             <a:schemeClr val="tx1"/>
           </a:solidFill>
@@ -3086,48 +2710,12 @@
           <a:cs typeface="+mn-cs"/>
         </a:defRPr>
       </a:lvl1pPr>
-      <a:lvl2pPr marL="685800" indent="-228600" algn="l" defTabSz="914400" rtl="0" eaLnBrk="1" latinLnBrk="0" hangingPunct="1">
+      <a:lvl2pPr marL="514350" indent="-171450" algn="r" defTabSz="685800" rtl="1" eaLnBrk="1" latinLnBrk="0" hangingPunct="1">
         <a:lnSpc>
           <a:spcPct val="90000"/>
         </a:lnSpc>
         <a:spcBef>
-          <a:spcPts val="500"/>
-        </a:spcBef>
-        <a:buFont typeface="Arial" panose="020B0604020202020204" pitchFamily="34" charset="0"/>
-        <a:buChar char="•"/>
-        <a:defRPr sz="2400" kern="1200">
-          <a:solidFill>
-            <a:schemeClr val="tx1"/>
-          </a:solidFill>
-          <a:latin typeface="+mn-lt"/>
-          <a:ea typeface="+mn-ea"/>
-          <a:cs typeface="+mn-cs"/>
-        </a:defRPr>
-      </a:lvl2pPr>
-      <a:lvl3pPr marL="1143000" indent="-228600" algn="l" defTabSz="914400" rtl="0" eaLnBrk="1" latinLnBrk="0" hangingPunct="1">
-        <a:lnSpc>
-          <a:spcPct val="90000"/>
-        </a:lnSpc>
-        <a:spcBef>
-          <a:spcPts val="500"/>
-        </a:spcBef>
-        <a:buFont typeface="Arial" panose="020B0604020202020204" pitchFamily="34" charset="0"/>
-        <a:buChar char="•"/>
-        <a:defRPr sz="2000" kern="1200">
-          <a:solidFill>
-            <a:schemeClr val="tx1"/>
-          </a:solidFill>
-          <a:latin typeface="+mn-lt"/>
-          <a:ea typeface="+mn-ea"/>
-          <a:cs typeface="+mn-cs"/>
-        </a:defRPr>
-      </a:lvl3pPr>
-      <a:lvl4pPr marL="1600200" indent="-228600" algn="l" defTabSz="914400" rtl="0" eaLnBrk="1" latinLnBrk="0" hangingPunct="1">
-        <a:lnSpc>
-          <a:spcPct val="90000"/>
-        </a:lnSpc>
-        <a:spcBef>
-          <a:spcPts val="500"/>
+          <a:spcPts val="375"/>
         </a:spcBef>
         <a:buFont typeface="Arial" panose="020B0604020202020204" pitchFamily="34" charset="0"/>
         <a:buChar char="•"/>
@@ -3139,17 +2727,53 @@
           <a:ea typeface="+mn-ea"/>
           <a:cs typeface="+mn-cs"/>
         </a:defRPr>
-      </a:lvl4pPr>
-      <a:lvl5pPr marL="2057400" indent="-228600" algn="l" defTabSz="914400" rtl="0" eaLnBrk="1" latinLnBrk="0" hangingPunct="1">
+      </a:lvl2pPr>
+      <a:lvl3pPr marL="857250" indent="-171450" algn="r" defTabSz="685800" rtl="1" eaLnBrk="1" latinLnBrk="0" hangingPunct="1">
         <a:lnSpc>
           <a:spcPct val="90000"/>
         </a:lnSpc>
         <a:spcBef>
-          <a:spcPts val="500"/>
+          <a:spcPts val="375"/>
         </a:spcBef>
         <a:buFont typeface="Arial" panose="020B0604020202020204" pitchFamily="34" charset="0"/>
         <a:buChar char="•"/>
-        <a:defRPr sz="1800" kern="1200">
+        <a:defRPr sz="1500" kern="1200">
+          <a:solidFill>
+            <a:schemeClr val="tx1"/>
+          </a:solidFill>
+          <a:latin typeface="+mn-lt"/>
+          <a:ea typeface="+mn-ea"/>
+          <a:cs typeface="+mn-cs"/>
+        </a:defRPr>
+      </a:lvl3pPr>
+      <a:lvl4pPr marL="1200150" indent="-171450" algn="r" defTabSz="685800" rtl="1" eaLnBrk="1" latinLnBrk="0" hangingPunct="1">
+        <a:lnSpc>
+          <a:spcPct val="90000"/>
+        </a:lnSpc>
+        <a:spcBef>
+          <a:spcPts val="375"/>
+        </a:spcBef>
+        <a:buFont typeface="Arial" panose="020B0604020202020204" pitchFamily="34" charset="0"/>
+        <a:buChar char="•"/>
+        <a:defRPr sz="1350" kern="1200">
+          <a:solidFill>
+            <a:schemeClr val="tx1"/>
+          </a:solidFill>
+          <a:latin typeface="+mn-lt"/>
+          <a:ea typeface="+mn-ea"/>
+          <a:cs typeface="+mn-cs"/>
+        </a:defRPr>
+      </a:lvl4pPr>
+      <a:lvl5pPr marL="1543050" indent="-171450" algn="r" defTabSz="685800" rtl="1" eaLnBrk="1" latinLnBrk="0" hangingPunct="1">
+        <a:lnSpc>
+          <a:spcPct val="90000"/>
+        </a:lnSpc>
+        <a:spcBef>
+          <a:spcPts val="375"/>
+        </a:spcBef>
+        <a:buFont typeface="Arial" panose="020B0604020202020204" pitchFamily="34" charset="0"/>
+        <a:buChar char="•"/>
+        <a:defRPr sz="1350" kern="1200">
           <a:solidFill>
             <a:schemeClr val="tx1"/>
           </a:solidFill>
@@ -3158,16 +2782,16 @@
           <a:cs typeface="+mn-cs"/>
         </a:defRPr>
       </a:lvl5pPr>
-      <a:lvl6pPr marL="2514600" indent="-228600" algn="l" defTabSz="914400" rtl="0" eaLnBrk="1" latinLnBrk="0" hangingPunct="1">
+      <a:lvl6pPr marL="1885950" indent="-171450" algn="r" defTabSz="685800" rtl="1" eaLnBrk="1" latinLnBrk="0" hangingPunct="1">
         <a:lnSpc>
           <a:spcPct val="90000"/>
         </a:lnSpc>
         <a:spcBef>
-          <a:spcPts val="500"/>
+          <a:spcPts val="375"/>
         </a:spcBef>
         <a:buFont typeface="Arial" panose="020B0604020202020204" pitchFamily="34" charset="0"/>
         <a:buChar char="•"/>
-        <a:defRPr sz="1800" kern="1200">
+        <a:defRPr sz="1350" kern="1200">
           <a:solidFill>
             <a:schemeClr val="tx1"/>
           </a:solidFill>
@@ -3176,16 +2800,16 @@
           <a:cs typeface="+mn-cs"/>
         </a:defRPr>
       </a:lvl6pPr>
-      <a:lvl7pPr marL="2971800" indent="-228600" algn="l" defTabSz="914400" rtl="0" eaLnBrk="1" latinLnBrk="0" hangingPunct="1">
+      <a:lvl7pPr marL="2228850" indent="-171450" algn="r" defTabSz="685800" rtl="1" eaLnBrk="1" latinLnBrk="0" hangingPunct="1">
         <a:lnSpc>
           <a:spcPct val="90000"/>
         </a:lnSpc>
         <a:spcBef>
-          <a:spcPts val="500"/>
+          <a:spcPts val="375"/>
         </a:spcBef>
         <a:buFont typeface="Arial" panose="020B0604020202020204" pitchFamily="34" charset="0"/>
         <a:buChar char="•"/>
-        <a:defRPr sz="1800" kern="1200">
+        <a:defRPr sz="1350" kern="1200">
           <a:solidFill>
             <a:schemeClr val="tx1"/>
           </a:solidFill>
@@ -3194,16 +2818,16 @@
           <a:cs typeface="+mn-cs"/>
         </a:defRPr>
       </a:lvl7pPr>
-      <a:lvl8pPr marL="3429000" indent="-228600" algn="l" defTabSz="914400" rtl="0" eaLnBrk="1" latinLnBrk="0" hangingPunct="1">
+      <a:lvl8pPr marL="2571750" indent="-171450" algn="r" defTabSz="685800" rtl="1" eaLnBrk="1" latinLnBrk="0" hangingPunct="1">
         <a:lnSpc>
           <a:spcPct val="90000"/>
         </a:lnSpc>
         <a:spcBef>
-          <a:spcPts val="500"/>
+          <a:spcPts val="375"/>
         </a:spcBef>
         <a:buFont typeface="Arial" panose="020B0604020202020204" pitchFamily="34" charset="0"/>
         <a:buChar char="•"/>
-        <a:defRPr sz="1800" kern="1200">
+        <a:defRPr sz="1350" kern="1200">
           <a:solidFill>
             <a:schemeClr val="tx1"/>
           </a:solidFill>
@@ -3212,16 +2836,16 @@
           <a:cs typeface="+mn-cs"/>
         </a:defRPr>
       </a:lvl8pPr>
-      <a:lvl9pPr marL="3886200" indent="-228600" algn="l" defTabSz="914400" rtl="0" eaLnBrk="1" latinLnBrk="0" hangingPunct="1">
+      <a:lvl9pPr marL="2914650" indent="-171450" algn="r" defTabSz="685800" rtl="1" eaLnBrk="1" latinLnBrk="0" hangingPunct="1">
         <a:lnSpc>
           <a:spcPct val="90000"/>
         </a:lnSpc>
         <a:spcBef>
-          <a:spcPts val="500"/>
+          <a:spcPts val="375"/>
         </a:spcBef>
         <a:buFont typeface="Arial" panose="020B0604020202020204" pitchFamily="34" charset="0"/>
         <a:buChar char="•"/>
-        <a:defRPr sz="1800" kern="1200">
+        <a:defRPr sz="1350" kern="1200">
           <a:solidFill>
             <a:schemeClr val="tx1"/>
           </a:solidFill>
@@ -3233,10 +2857,10 @@
     </p:bodyStyle>
     <p:otherStyle>
       <a:defPPr>
-        <a:defRPr lang="he-IL"/>
+        <a:defRPr lang="en-US"/>
       </a:defPPr>
-      <a:lvl1pPr marL="0" algn="l" defTabSz="914400" rtl="0" eaLnBrk="1" latinLnBrk="0" hangingPunct="1">
-        <a:defRPr sz="1800" kern="1200">
+      <a:lvl1pPr marL="0" algn="r" defTabSz="685800" rtl="1" eaLnBrk="1" latinLnBrk="0" hangingPunct="1">
+        <a:defRPr sz="1350" kern="1200">
           <a:solidFill>
             <a:schemeClr val="tx1"/>
           </a:solidFill>
@@ -3245,8 +2869,8 @@
           <a:cs typeface="+mn-cs"/>
         </a:defRPr>
       </a:lvl1pPr>
-      <a:lvl2pPr marL="457200" algn="l" defTabSz="914400" rtl="0" eaLnBrk="1" latinLnBrk="0" hangingPunct="1">
-        <a:defRPr sz="1800" kern="1200">
+      <a:lvl2pPr marL="342900" algn="r" defTabSz="685800" rtl="1" eaLnBrk="1" latinLnBrk="0" hangingPunct="1">
+        <a:defRPr sz="1350" kern="1200">
           <a:solidFill>
             <a:schemeClr val="tx1"/>
           </a:solidFill>
@@ -3255,8 +2879,8 @@
           <a:cs typeface="+mn-cs"/>
         </a:defRPr>
       </a:lvl2pPr>
-      <a:lvl3pPr marL="914400" algn="l" defTabSz="914400" rtl="0" eaLnBrk="1" latinLnBrk="0" hangingPunct="1">
-        <a:defRPr sz="1800" kern="1200">
+      <a:lvl3pPr marL="685800" algn="r" defTabSz="685800" rtl="1" eaLnBrk="1" latinLnBrk="0" hangingPunct="1">
+        <a:defRPr sz="1350" kern="1200">
           <a:solidFill>
             <a:schemeClr val="tx1"/>
           </a:solidFill>
@@ -3265,8 +2889,8 @@
           <a:cs typeface="+mn-cs"/>
         </a:defRPr>
       </a:lvl3pPr>
-      <a:lvl4pPr marL="1371600" algn="l" defTabSz="914400" rtl="0" eaLnBrk="1" latinLnBrk="0" hangingPunct="1">
-        <a:defRPr sz="1800" kern="1200">
+      <a:lvl4pPr marL="1028700" algn="r" defTabSz="685800" rtl="1" eaLnBrk="1" latinLnBrk="0" hangingPunct="1">
+        <a:defRPr sz="1350" kern="1200">
           <a:solidFill>
             <a:schemeClr val="tx1"/>
           </a:solidFill>
@@ -3275,8 +2899,8 @@
           <a:cs typeface="+mn-cs"/>
         </a:defRPr>
       </a:lvl4pPr>
-      <a:lvl5pPr marL="1828800" algn="l" defTabSz="914400" rtl="0" eaLnBrk="1" latinLnBrk="0" hangingPunct="1">
-        <a:defRPr sz="1800" kern="1200">
+      <a:lvl5pPr marL="1371600" algn="r" defTabSz="685800" rtl="1" eaLnBrk="1" latinLnBrk="0" hangingPunct="1">
+        <a:defRPr sz="1350" kern="1200">
           <a:solidFill>
             <a:schemeClr val="tx1"/>
           </a:solidFill>
@@ -3285,8 +2909,8 @@
           <a:cs typeface="+mn-cs"/>
         </a:defRPr>
       </a:lvl5pPr>
-      <a:lvl6pPr marL="2286000" algn="l" defTabSz="914400" rtl="0" eaLnBrk="1" latinLnBrk="0" hangingPunct="1">
-        <a:defRPr sz="1800" kern="1200">
+      <a:lvl6pPr marL="1714500" algn="r" defTabSz="685800" rtl="1" eaLnBrk="1" latinLnBrk="0" hangingPunct="1">
+        <a:defRPr sz="1350" kern="1200">
           <a:solidFill>
             <a:schemeClr val="tx1"/>
           </a:solidFill>
@@ -3295,8 +2919,8 @@
           <a:cs typeface="+mn-cs"/>
         </a:defRPr>
       </a:lvl6pPr>
-      <a:lvl7pPr marL="2743200" algn="l" defTabSz="914400" rtl="0" eaLnBrk="1" latinLnBrk="0" hangingPunct="1">
-        <a:defRPr sz="1800" kern="1200">
+      <a:lvl7pPr marL="2057400" algn="r" defTabSz="685800" rtl="1" eaLnBrk="1" latinLnBrk="0" hangingPunct="1">
+        <a:defRPr sz="1350" kern="1200">
           <a:solidFill>
             <a:schemeClr val="tx1"/>
           </a:solidFill>
@@ -3305,8 +2929,8 @@
           <a:cs typeface="+mn-cs"/>
         </a:defRPr>
       </a:lvl7pPr>
-      <a:lvl8pPr marL="3200400" algn="l" defTabSz="914400" rtl="0" eaLnBrk="1" latinLnBrk="0" hangingPunct="1">
-        <a:defRPr sz="1800" kern="1200">
+      <a:lvl8pPr marL="2400300" algn="r" defTabSz="685800" rtl="1" eaLnBrk="1" latinLnBrk="0" hangingPunct="1">
+        <a:defRPr sz="1350" kern="1200">
           <a:solidFill>
             <a:schemeClr val="tx1"/>
           </a:solidFill>
@@ -3315,8 +2939,8 @@
           <a:cs typeface="+mn-cs"/>
         </a:defRPr>
       </a:lvl8pPr>
-      <a:lvl9pPr marL="3657600" algn="l" defTabSz="914400" rtl="0" eaLnBrk="1" latinLnBrk="0" hangingPunct="1">
-        <a:defRPr sz="1800" kern="1200">
+      <a:lvl9pPr marL="2743200" algn="r" defTabSz="685800" rtl="1" eaLnBrk="1" latinLnBrk="0" hangingPunct="1">
+        <a:defRPr sz="1350" kern="1200">
           <a:solidFill>
             <a:schemeClr val="tx1"/>
           </a:solidFill>
@@ -3349,107 +2973,6 @@
       </p:grpSpPr>
       <p:sp>
         <p:nvSpPr>
-          <p:cNvPr id="2" name="Rectangle 1">
-            <a:extLst>
-              <a:ext uri="{FF2B5EF4-FFF2-40B4-BE49-F238E27FC236}">
-                <a16:creationId xmlns:a16="http://schemas.microsoft.com/office/drawing/2014/main" id="{4503980A-2F93-4823-BD20-DFE9C3299F2C}"/>
-              </a:ext>
-            </a:extLst>
-          </p:cNvPr>
-          <p:cNvSpPr/>
-          <p:nvPr/>
-        </p:nvSpPr>
-        <p:spPr>
-          <a:xfrm>
-            <a:off x="2651154" y="0"/>
-            <a:ext cx="6889687" cy="6858000"/>
-          </a:xfrm>
-          <a:prstGeom prst="rect">
-            <a:avLst/>
-          </a:prstGeom>
-          <a:solidFill>
-            <a:srgbClr val="00B050"/>
-          </a:solidFill>
-        </p:spPr>
-        <p:style>
-          <a:lnRef idx="2">
-            <a:schemeClr val="accent1">
-              <a:shade val="50000"/>
-            </a:schemeClr>
-          </a:lnRef>
-          <a:fillRef idx="1">
-            <a:schemeClr val="accent1"/>
-          </a:fillRef>
-          <a:effectRef idx="0">
-            <a:schemeClr val="accent1"/>
-          </a:effectRef>
-          <a:fontRef idx="minor">
-            <a:schemeClr val="lt1"/>
-          </a:fontRef>
-        </p:style>
-        <p:txBody>
-          <a:bodyPr rtlCol="1" anchor="ctr"/>
-          <a:lstStyle/>
-          <a:p>
-            <a:pPr algn="ctr"/>
-            <a:endParaRPr lang="he-IL"/>
-          </a:p>
-        </p:txBody>
-      </p:sp>
-      <p:sp>
-        <p:nvSpPr>
-          <p:cNvPr id="5" name="Rectangle 4">
-            <a:extLst>
-              <a:ext uri="{FF2B5EF4-FFF2-40B4-BE49-F238E27FC236}">
-                <a16:creationId xmlns:a16="http://schemas.microsoft.com/office/drawing/2014/main" id="{54599779-0591-4CDB-8A69-78F4C59617AA}"/>
-              </a:ext>
-            </a:extLst>
-          </p:cNvPr>
-          <p:cNvSpPr/>
-          <p:nvPr/>
-        </p:nvSpPr>
-        <p:spPr>
-          <a:xfrm>
-            <a:off x="2659455" y="-7546"/>
-            <a:ext cx="6873090" cy="6873090"/>
-          </a:xfrm>
-          <a:prstGeom prst="rect">
-            <a:avLst/>
-          </a:prstGeom>
-          <a:noFill/>
-          <a:ln>
-            <a:solidFill>
-              <a:schemeClr val="tx1"/>
-            </a:solidFill>
-          </a:ln>
-        </p:spPr>
-        <p:style>
-          <a:lnRef idx="2">
-            <a:schemeClr val="accent1">
-              <a:shade val="50000"/>
-            </a:schemeClr>
-          </a:lnRef>
-          <a:fillRef idx="1">
-            <a:schemeClr val="accent1"/>
-          </a:fillRef>
-          <a:effectRef idx="0">
-            <a:schemeClr val="accent1"/>
-          </a:effectRef>
-          <a:fontRef idx="minor">
-            <a:schemeClr val="lt1"/>
-          </a:fontRef>
-        </p:style>
-        <p:txBody>
-          <a:bodyPr rtlCol="1" anchor="ctr"/>
-          <a:lstStyle/>
-          <a:p>
-            <a:pPr algn="ctr"/>
-            <a:endParaRPr lang="he-IL"/>
-          </a:p>
-        </p:txBody>
-      </p:sp>
-      <p:sp>
-        <p:nvSpPr>
           <p:cNvPr id="9" name="Oval 8">
             <a:extLst>
               <a:ext uri="{FF2B5EF4-FFF2-40B4-BE49-F238E27FC236}">
@@ -3462,14 +2985,16 @@
         </p:nvSpPr>
         <p:spPr>
           <a:xfrm>
-            <a:off x="2659455" y="0"/>
+            <a:off x="-7545" y="1"/>
             <a:ext cx="6889687" cy="6889687"/>
           </a:xfrm>
           <a:prstGeom prst="ellipse">
             <a:avLst/>
           </a:prstGeom>
           <a:solidFill>
-            <a:schemeClr val="tx1"/>
+            <a:schemeClr val="bg2">
+              <a:lumMod val="25000"/>
+            </a:schemeClr>
           </a:solidFill>
           <a:ln>
             <a:noFill/>
@@ -3514,18 +3039,21 @@
         </p:nvSpPr>
         <p:spPr>
           <a:xfrm>
-            <a:off x="3108356" y="441356"/>
+            <a:off x="441357" y="441357"/>
             <a:ext cx="5975287" cy="5975287"/>
           </a:xfrm>
           <a:prstGeom prst="ellipse">
             <a:avLst/>
           </a:prstGeom>
           <a:solidFill>
-            <a:srgbClr val="0070C0"/>
+            <a:srgbClr val="805C9C"/>
           </a:solidFill>
           <a:ln>
             <a:noFill/>
           </a:ln>
+          <a:effectLst>
+            <a:softEdge rad="165100"/>
+          </a:effectLst>
         </p:spPr>
         <p:style>
           <a:lnRef idx="2">
@@ -3566,7 +3094,7 @@
         </p:nvGrpSpPr>
         <p:grpSpPr>
           <a:xfrm>
-            <a:off x="3317635" y="517297"/>
+            <a:off x="650636" y="517297"/>
             <a:ext cx="5103485" cy="4802870"/>
             <a:chOff x="3520835" y="872897"/>
             <a:chExt cx="5103485" cy="4802870"/>
@@ -3620,11 +3148,6 @@
               <a:pPr algn="ctr"/>
               <a:r>
                 <a:rPr lang="en-US" sz="71400" dirty="0">
-                  <a:ln>
-                    <a:solidFill>
-                      <a:sysClr val="windowText" lastClr="000000"/>
-                    </a:solidFill>
-                  </a:ln>
                   <a:solidFill>
                     <a:schemeClr val="bg1"/>
                   </a:solidFill>
@@ -3634,11 +3157,6 @@
                 <a:t>1</a:t>
               </a:r>
               <a:endParaRPr lang="he-IL" sz="41300" dirty="0">
-                <a:ln>
-                  <a:solidFill>
-                    <a:sysClr val="windowText" lastClr="000000"/>
-                  </a:solidFill>
-                </a:ln>
                 <a:solidFill>
                   <a:schemeClr val="bg1"/>
                 </a:solidFill>
@@ -3696,11 +3214,6 @@
               <a:pPr algn="ctr"/>
               <a:r>
                 <a:rPr lang="en-US" sz="41300" dirty="0">
-                  <a:ln>
-                    <a:solidFill>
-                      <a:sysClr val="windowText" lastClr="000000"/>
-                    </a:solidFill>
-                  </a:ln>
                   <a:solidFill>
                     <a:schemeClr val="bg1"/>
                   </a:solidFill>
@@ -3710,11 +3223,6 @@
                 <a:t>2</a:t>
               </a:r>
               <a:endParaRPr lang="he-IL" sz="41300" dirty="0">
-                <a:ln>
-                  <a:solidFill>
-                    <a:sysClr val="windowText" lastClr="000000"/>
-                  </a:solidFill>
-                </a:ln>
                 <a:solidFill>
                   <a:schemeClr val="bg1"/>
                 </a:solidFill>
@@ -3772,11 +3280,6 @@
               <a:pPr algn="ctr"/>
               <a:r>
                 <a:rPr lang="en-US" sz="28700" dirty="0">
-                  <a:ln>
-                    <a:solidFill>
-                      <a:sysClr val="windowText" lastClr="000000"/>
-                    </a:solidFill>
-                  </a:ln>
                   <a:solidFill>
                     <a:schemeClr val="bg1"/>
                   </a:solidFill>
@@ -3786,11 +3289,6 @@
                 <a:t>3</a:t>
               </a:r>
               <a:endParaRPr lang="he-IL" sz="28700" dirty="0">
-                <a:ln>
-                  <a:solidFill>
-                    <a:sysClr val="windowText" lastClr="000000"/>
-                  </a:solidFill>
-                </a:ln>
                 <a:solidFill>
                   <a:schemeClr val="bg1"/>
                 </a:solidFill>
@@ -3817,7 +3315,7 @@
 <file path=ppt/theme/theme1.xml><?xml version="1.0" encoding="utf-8"?>
 <a:theme xmlns:a="http://schemas.openxmlformats.org/drawingml/2006/main" name="Office Theme">
   <a:themeElements>
-    <a:clrScheme name="Office">
+    <a:clrScheme name="Office Theme">
       <a:dk1>
         <a:sysClr val="windowText" lastClr="000000"/>
       </a:dk1>
@@ -3855,7 +3353,7 @@
         <a:srgbClr val="954F72"/>
       </a:folHlink>
     </a:clrScheme>
-    <a:fontScheme name="Office">
+    <a:fontScheme name="Office Theme">
       <a:majorFont>
         <a:latin typeface="Calibri Light" panose="020F0302020204030204"/>
         <a:ea typeface=""/>
@@ -3890,23 +3388,6 @@
         <a:font script="Viet" typeface="Times New Roman"/>
         <a:font script="Uigh" typeface="Microsoft Uighur"/>
         <a:font script="Geor" typeface="Sylfaen"/>
-        <a:font script="Armn" typeface="Arial"/>
-        <a:font script="Bugi" typeface="Leelawadee UI"/>
-        <a:font script="Bopo" typeface="Microsoft JhengHei"/>
-        <a:font script="Java" typeface="Javanese Text"/>
-        <a:font script="Lisu" typeface="Segoe UI"/>
-        <a:font script="Mymr" typeface="Myanmar Text"/>
-        <a:font script="Nkoo" typeface="Ebrima"/>
-        <a:font script="Olck" typeface="Nirmala UI"/>
-        <a:font script="Osma" typeface="Ebrima"/>
-        <a:font script="Phag" typeface="Phagspa"/>
-        <a:font script="Syrn" typeface="Estrangelo Edessa"/>
-        <a:font script="Syrj" typeface="Estrangelo Edessa"/>
-        <a:font script="Syre" typeface="Estrangelo Edessa"/>
-        <a:font script="Sora" typeface="Nirmala UI"/>
-        <a:font script="Tale" typeface="Microsoft Tai Le"/>
-        <a:font script="Talu" typeface="Microsoft New Tai Lue"/>
-        <a:font script="Tfng" typeface="Ebrima"/>
       </a:majorFont>
       <a:minorFont>
         <a:latin typeface="Calibri" panose="020F0502020204030204"/>
@@ -3942,26 +3423,9 @@
         <a:font script="Viet" typeface="Arial"/>
         <a:font script="Uigh" typeface="Microsoft Uighur"/>
         <a:font script="Geor" typeface="Sylfaen"/>
-        <a:font script="Armn" typeface="Arial"/>
-        <a:font script="Bugi" typeface="Leelawadee UI"/>
-        <a:font script="Bopo" typeface="Microsoft JhengHei"/>
-        <a:font script="Java" typeface="Javanese Text"/>
-        <a:font script="Lisu" typeface="Segoe UI"/>
-        <a:font script="Mymr" typeface="Myanmar Text"/>
-        <a:font script="Nkoo" typeface="Ebrima"/>
-        <a:font script="Olck" typeface="Nirmala UI"/>
-        <a:font script="Osma" typeface="Ebrima"/>
-        <a:font script="Phag" typeface="Phagspa"/>
-        <a:font script="Syrn" typeface="Estrangelo Edessa"/>
-        <a:font script="Syrj" typeface="Estrangelo Edessa"/>
-        <a:font script="Syre" typeface="Estrangelo Edessa"/>
-        <a:font script="Sora" typeface="Nirmala UI"/>
-        <a:font script="Tale" typeface="Microsoft Tai Le"/>
-        <a:font script="Talu" typeface="Microsoft New Tai Lue"/>
-        <a:font script="Tfng" typeface="Ebrima"/>
       </a:minorFont>
     </a:fontScheme>
-    <a:fmtScheme name="Office">
+    <a:fmtScheme name="Office Theme">
       <a:fillStyleLst>
         <a:solidFill>
           <a:schemeClr val="phClr"/>
